--- a/4th week/4th.pptx
+++ b/4th week/4th.pptx
@@ -10,6 +10,18 @@
     <p:sldId id="258" r:id="rId4"/>
     <p:sldId id="259" r:id="rId5"/>
     <p:sldId id="260" r:id="rId6"/>
+    <p:sldId id="261" r:id="rId7"/>
+    <p:sldId id="262" r:id="rId8"/>
+    <p:sldId id="263" r:id="rId9"/>
+    <p:sldId id="264" r:id="rId10"/>
+    <p:sldId id="265" r:id="rId11"/>
+    <p:sldId id="266" r:id="rId12"/>
+    <p:sldId id="267" r:id="rId13"/>
+    <p:sldId id="268" r:id="rId14"/>
+    <p:sldId id="269" r:id="rId15"/>
+    <p:sldId id="271" r:id="rId16"/>
+    <p:sldId id="270" r:id="rId17"/>
+    <p:sldId id="272" r:id="rId18"/>
   </p:sldIdLst>
   <p:sldSz cx="12192000" cy="6858000"/>
   <p:notesSz cx="6858000" cy="9144000"/>
@@ -108,6 +120,11 @@
       </a:defRPr>
     </a:lvl9pPr>
   </p:defaultTextStyle>
+  <p:extLst>
+    <p:ext uri="{EFAFB233-063F-42B5-8137-9DF3F51BA10A}">
+      <p15:sldGuideLst xmlns:p15="http://schemas.microsoft.com/office/powerpoint/2012/main"/>
+    </p:ext>
+  </p:extLst>
 </p:presentation>
 </file>
 
@@ -3353,7 +3370,7 @@
         </p:blipFill>
         <p:spPr>
           <a:xfrm>
-            <a:off x="2400300" y="1795462"/>
+            <a:off x="2400300" y="542859"/>
             <a:ext cx="7391400" cy="3267075"/>
           </a:xfrm>
           <a:prstGeom prst="rect">
@@ -3379,7 +3396,7 @@
         </p:nvSpPr>
         <p:spPr>
           <a:xfrm>
-            <a:off x="1524000" y="3428999"/>
+            <a:off x="1524000" y="2616134"/>
             <a:ext cx="9144000" cy="2387600"/>
           </a:xfrm>
         </p:spPr>
@@ -3407,6 +3424,1963 @@
     <p:extLst>
       <p:ext uri="{BB962C8B-B14F-4D97-AF65-F5344CB8AC3E}">
         <p14:creationId xmlns:p14="http://schemas.microsoft.com/office/powerpoint/2010/main" val="1870704678"/>
+      </p:ext>
+    </p:extLst>
+  </p:cSld>
+  <p:clrMapOvr>
+    <a:masterClrMapping/>
+  </p:clrMapOvr>
+</p:sld>
+</file>
+
+<file path=ppt/slides/slide10.xml><?xml version="1.0" encoding="utf-8"?>
+<p:sld xmlns:a="http://schemas.openxmlformats.org/drawingml/2006/main" xmlns:r="http://schemas.openxmlformats.org/officeDocument/2006/relationships" xmlns:p="http://schemas.openxmlformats.org/presentationml/2006/main">
+  <p:cSld>
+    <p:spTree>
+      <p:nvGrpSpPr>
+        <p:cNvPr id="1" name=""/>
+        <p:cNvGrpSpPr/>
+        <p:nvPr/>
+      </p:nvGrpSpPr>
+      <p:grpSpPr>
+        <a:xfrm>
+          <a:off x="0" y="0"/>
+          <a:ext cx="0" cy="0"/>
+          <a:chOff x="0" y="0"/>
+          <a:chExt cx="0" cy="0"/>
+        </a:xfrm>
+      </p:grpSpPr>
+      <p:sp>
+        <p:nvSpPr>
+          <p:cNvPr id="3" name="내용 개체 틀 2">
+            <a:extLst>
+              <a:ext uri="{FF2B5EF4-FFF2-40B4-BE49-F238E27FC236}">
+                <a16:creationId xmlns:a16="http://schemas.microsoft.com/office/drawing/2014/main" id="{2486304E-2DC5-4FC3-AC06-6C23BE316A2F}"/>
+              </a:ext>
+            </a:extLst>
+          </p:cNvPr>
+          <p:cNvSpPr>
+            <a:spLocks noGrp="1"/>
+          </p:cNvSpPr>
+          <p:nvPr>
+            <p:ph idx="1"/>
+          </p:nvPr>
+        </p:nvSpPr>
+        <p:spPr/>
+        <p:txBody>
+          <a:bodyPr>
+            <a:normAutofit/>
+          </a:bodyPr>
+          <a:lstStyle/>
+          <a:p>
+            <a:pPr marL="0" indent="0">
+              <a:buNone/>
+            </a:pPr>
+            <a:r>
+              <a:rPr lang="ko-KR" altLang="en-US" sz="2000" dirty="0"/>
+              <a:t>생성한 폴더로 들어가기</a:t>
+            </a:r>
+            <a:endParaRPr lang="en-US" altLang="ko-KR" sz="2000" dirty="0"/>
+          </a:p>
+          <a:p>
+            <a:endParaRPr lang="en-US" altLang="ko-KR" sz="2000" dirty="0"/>
+          </a:p>
+          <a:p>
+            <a:pPr marL="0" indent="0">
+              <a:buNone/>
+            </a:pPr>
+            <a:r>
+              <a:rPr lang="ko-KR" altLang="en-US" sz="2000" dirty="0" err="1"/>
+              <a:t>우클릭</a:t>
+            </a:r>
+            <a:r>
+              <a:rPr lang="ko-KR" altLang="en-US" sz="2000" dirty="0"/>
+              <a:t> 후 </a:t>
+            </a:r>
+            <a:r>
+              <a:rPr lang="en-US" altLang="ko-KR" sz="2000" dirty="0"/>
+              <a:t>‘</a:t>
+            </a:r>
+            <a:r>
+              <a:rPr lang="ko-KR" altLang="en-US" sz="2000" dirty="0" err="1"/>
+              <a:t>더보기</a:t>
+            </a:r>
+            <a:r>
+              <a:rPr lang="en-US" altLang="ko-KR" sz="2000" dirty="0"/>
+              <a:t>’</a:t>
+            </a:r>
+            <a:r>
+              <a:rPr lang="ko-KR" altLang="en-US" sz="2000" dirty="0"/>
+              <a:t> 항목에서 </a:t>
+            </a:r>
+            <a:br>
+              <a:rPr lang="en-US" altLang="ko-KR" sz="2000" dirty="0"/>
+            </a:br>
+            <a:r>
+              <a:rPr lang="en-US" altLang="ko-KR" sz="2000" dirty="0"/>
+              <a:t>google </a:t>
+            </a:r>
+            <a:r>
+              <a:rPr lang="en-US" altLang="ko-KR" sz="2000" dirty="0" err="1"/>
+              <a:t>colab</a:t>
+            </a:r>
+            <a:r>
+              <a:rPr lang="en-US" altLang="ko-KR" sz="2000" dirty="0"/>
+              <a:t> </a:t>
+            </a:r>
+            <a:r>
+              <a:rPr lang="ko-KR" altLang="en-US" sz="2000" dirty="0"/>
+              <a:t>선택</a:t>
+            </a:r>
+            <a:endParaRPr lang="en-US" altLang="ko-KR" sz="2000" dirty="0"/>
+          </a:p>
+        </p:txBody>
+      </p:sp>
+      <p:pic>
+        <p:nvPicPr>
+          <p:cNvPr id="5" name="그림 4">
+            <a:extLst>
+              <a:ext uri="{FF2B5EF4-FFF2-40B4-BE49-F238E27FC236}">
+                <a16:creationId xmlns:a16="http://schemas.microsoft.com/office/drawing/2014/main" id="{6793A9E1-4C43-4BBB-B477-F11F0873FD52}"/>
+              </a:ext>
+            </a:extLst>
+          </p:cNvPr>
+          <p:cNvPicPr>
+            <a:picLocks noChangeAspect="1"/>
+          </p:cNvPicPr>
+          <p:nvPr/>
+        </p:nvPicPr>
+        <p:blipFill>
+          <a:blip r:embed="rId2"/>
+          <a:stretch>
+            <a:fillRect/>
+          </a:stretch>
+        </p:blipFill>
+        <p:spPr>
+          <a:xfrm>
+            <a:off x="5815321" y="1825625"/>
+            <a:ext cx="5538479" cy="4289606"/>
+          </a:xfrm>
+          <a:prstGeom prst="rect">
+            <a:avLst/>
+          </a:prstGeom>
+        </p:spPr>
+      </p:pic>
+      <p:sp>
+        <p:nvSpPr>
+          <p:cNvPr id="6" name="직사각형 5">
+            <a:extLst>
+              <a:ext uri="{FF2B5EF4-FFF2-40B4-BE49-F238E27FC236}">
+                <a16:creationId xmlns:a16="http://schemas.microsoft.com/office/drawing/2014/main" id="{62C328F0-F753-4018-A37C-EB35351AE692}"/>
+              </a:ext>
+            </a:extLst>
+          </p:cNvPr>
+          <p:cNvSpPr/>
+          <p:nvPr/>
+        </p:nvSpPr>
+        <p:spPr>
+          <a:xfrm>
+            <a:off x="8768219" y="2336104"/>
+            <a:ext cx="695195" cy="300625"/>
+          </a:xfrm>
+          <a:prstGeom prst="rect">
+            <a:avLst/>
+          </a:prstGeom>
+          <a:noFill/>
+          <a:ln w="38100">
+            <a:solidFill>
+              <a:srgbClr val="FF0000"/>
+            </a:solidFill>
+          </a:ln>
+        </p:spPr>
+        <p:style>
+          <a:lnRef idx="2">
+            <a:schemeClr val="accent1">
+              <a:shade val="50000"/>
+            </a:schemeClr>
+          </a:lnRef>
+          <a:fillRef idx="1">
+            <a:schemeClr val="accent1"/>
+          </a:fillRef>
+          <a:effectRef idx="0">
+            <a:schemeClr val="accent1"/>
+          </a:effectRef>
+          <a:fontRef idx="minor">
+            <a:schemeClr val="lt1"/>
+          </a:fontRef>
+        </p:style>
+        <p:txBody>
+          <a:bodyPr rtlCol="0" anchor="ctr"/>
+          <a:lstStyle/>
+          <a:p>
+            <a:pPr algn="ctr"/>
+            <a:endParaRPr lang="ko-KR" altLang="en-US"/>
+          </a:p>
+        </p:txBody>
+      </p:sp>
+    </p:spTree>
+    <p:extLst>
+      <p:ext uri="{BB962C8B-B14F-4D97-AF65-F5344CB8AC3E}">
+        <p14:creationId xmlns:p14="http://schemas.microsoft.com/office/powerpoint/2010/main" val="1217414017"/>
+      </p:ext>
+    </p:extLst>
+  </p:cSld>
+  <p:clrMapOvr>
+    <a:masterClrMapping/>
+  </p:clrMapOvr>
+</p:sld>
+</file>
+
+<file path=ppt/slides/slide11.xml><?xml version="1.0" encoding="utf-8"?>
+<p:sld xmlns:a="http://schemas.openxmlformats.org/drawingml/2006/main" xmlns:r="http://schemas.openxmlformats.org/officeDocument/2006/relationships" xmlns:p="http://schemas.openxmlformats.org/presentationml/2006/main">
+  <p:cSld>
+    <p:spTree>
+      <p:nvGrpSpPr>
+        <p:cNvPr id="1" name=""/>
+        <p:cNvGrpSpPr/>
+        <p:nvPr/>
+      </p:nvGrpSpPr>
+      <p:grpSpPr>
+        <a:xfrm>
+          <a:off x="0" y="0"/>
+          <a:ext cx="0" cy="0"/>
+          <a:chOff x="0" y="0"/>
+          <a:chExt cx="0" cy="0"/>
+        </a:xfrm>
+      </p:grpSpPr>
+      <p:pic>
+        <p:nvPicPr>
+          <p:cNvPr id="9" name="그림 8">
+            <a:extLst>
+              <a:ext uri="{FF2B5EF4-FFF2-40B4-BE49-F238E27FC236}">
+                <a16:creationId xmlns:a16="http://schemas.microsoft.com/office/drawing/2014/main" id="{46C25467-68DE-4AC9-B844-BFDA453354E4}"/>
+              </a:ext>
+            </a:extLst>
+          </p:cNvPr>
+          <p:cNvPicPr>
+            <a:picLocks noChangeAspect="1"/>
+          </p:cNvPicPr>
+          <p:nvPr/>
+        </p:nvPicPr>
+        <p:blipFill>
+          <a:blip r:embed="rId2"/>
+          <a:stretch>
+            <a:fillRect/>
+          </a:stretch>
+        </p:blipFill>
+        <p:spPr>
+          <a:xfrm>
+            <a:off x="6066687" y="1816187"/>
+            <a:ext cx="5287113" cy="3439005"/>
+          </a:xfrm>
+          <a:prstGeom prst="rect">
+            <a:avLst/>
+          </a:prstGeom>
+        </p:spPr>
+      </p:pic>
+      <p:sp>
+        <p:nvSpPr>
+          <p:cNvPr id="3" name="내용 개체 틀 2">
+            <a:extLst>
+              <a:ext uri="{FF2B5EF4-FFF2-40B4-BE49-F238E27FC236}">
+                <a16:creationId xmlns:a16="http://schemas.microsoft.com/office/drawing/2014/main" id="{B8F4F43A-43B9-429C-8ACA-C4C8645223F1}"/>
+              </a:ext>
+            </a:extLst>
+          </p:cNvPr>
+          <p:cNvSpPr>
+            <a:spLocks noGrp="1"/>
+          </p:cNvSpPr>
+          <p:nvPr>
+            <p:ph idx="1"/>
+          </p:nvPr>
+        </p:nvSpPr>
+        <p:spPr/>
+        <p:txBody>
+          <a:bodyPr/>
+          <a:lstStyle/>
+          <a:p>
+            <a:pPr marL="0" indent="0">
+              <a:buNone/>
+            </a:pPr>
+            <a:r>
+              <a:rPr lang="ko-KR" altLang="en-US" dirty="0"/>
+              <a:t>중요한 항목 </a:t>
+            </a:r>
+            <a:r>
+              <a:rPr lang="en-US" altLang="ko-KR" dirty="0"/>
+              <a:t>4</a:t>
+            </a:r>
+            <a:r>
+              <a:rPr lang="ko-KR" altLang="en-US" dirty="0"/>
+              <a:t>개</a:t>
+            </a:r>
+            <a:endParaRPr lang="en-US" altLang="ko-KR" dirty="0"/>
+          </a:p>
+          <a:p>
+            <a:endParaRPr lang="en-US" altLang="ko-KR" dirty="0">
+              <a:solidFill>
+                <a:srgbClr val="FF0000"/>
+              </a:solidFill>
+            </a:endParaRPr>
+          </a:p>
+          <a:p>
+            <a:r>
+              <a:rPr lang="ko-KR" altLang="en-US" sz="2000" dirty="0">
+                <a:solidFill>
+                  <a:srgbClr val="FF0000"/>
+                </a:solidFill>
+              </a:rPr>
+              <a:t>제목</a:t>
+            </a:r>
+            <a:r>
+              <a:rPr lang="en-US" altLang="ko-KR" sz="2000" dirty="0">
+                <a:solidFill>
+                  <a:srgbClr val="FF0000"/>
+                </a:solidFill>
+              </a:rPr>
+              <a:t> - </a:t>
+            </a:r>
+            <a:r>
+              <a:rPr lang="ko-KR" altLang="en-US" sz="1600" dirty="0">
+                <a:solidFill>
+                  <a:srgbClr val="FF0000"/>
+                </a:solidFill>
+              </a:rPr>
+              <a:t>제목 입력</a:t>
+            </a:r>
+            <a:endParaRPr lang="en-US" altLang="ko-KR" sz="1600" dirty="0">
+              <a:solidFill>
+                <a:srgbClr val="FF0000"/>
+              </a:solidFill>
+            </a:endParaRPr>
+          </a:p>
+          <a:p>
+            <a:r>
+              <a:rPr lang="ko-KR" altLang="en-US" sz="2000" dirty="0">
+                <a:solidFill>
+                  <a:srgbClr val="FFC000"/>
+                </a:solidFill>
+              </a:rPr>
+              <a:t>파일 </a:t>
+            </a:r>
+            <a:r>
+              <a:rPr lang="en-US" altLang="ko-KR" sz="2000" dirty="0">
+                <a:solidFill>
+                  <a:srgbClr val="FFC000"/>
+                </a:solidFill>
+              </a:rPr>
+              <a:t>- </a:t>
+            </a:r>
+            <a:r>
+              <a:rPr lang="ko-KR" altLang="en-US" sz="1600" dirty="0">
+                <a:solidFill>
+                  <a:srgbClr val="FFC000"/>
+                </a:solidFill>
+              </a:rPr>
+              <a:t>저장</a:t>
+            </a:r>
+            <a:endParaRPr lang="en-US" altLang="ko-KR" sz="1600" dirty="0">
+              <a:solidFill>
+                <a:srgbClr val="FFC000"/>
+              </a:solidFill>
+            </a:endParaRPr>
+          </a:p>
+          <a:p>
+            <a:r>
+              <a:rPr lang="ko-KR" altLang="en-US" sz="2000" dirty="0">
+                <a:solidFill>
+                  <a:srgbClr val="00B050"/>
+                </a:solidFill>
+              </a:rPr>
+              <a:t>수정 </a:t>
+            </a:r>
+            <a:r>
+              <a:rPr lang="en-US" altLang="ko-KR" sz="2000" dirty="0">
+                <a:solidFill>
+                  <a:srgbClr val="00B050"/>
+                </a:solidFill>
+              </a:rPr>
+              <a:t>- </a:t>
+            </a:r>
+            <a:r>
+              <a:rPr lang="en-US" altLang="ko-KR" sz="1600" dirty="0">
+                <a:solidFill>
+                  <a:srgbClr val="00B050"/>
+                </a:solidFill>
+              </a:rPr>
+              <a:t>GPU </a:t>
+            </a:r>
+            <a:r>
+              <a:rPr lang="ko-KR" altLang="en-US" sz="1600" dirty="0">
+                <a:solidFill>
+                  <a:srgbClr val="00B050"/>
+                </a:solidFill>
+              </a:rPr>
+              <a:t>사용</a:t>
+            </a:r>
+            <a:endParaRPr lang="en-US" altLang="ko-KR" sz="2000" dirty="0">
+              <a:solidFill>
+                <a:srgbClr val="00B050"/>
+              </a:solidFill>
+            </a:endParaRPr>
+          </a:p>
+          <a:p>
+            <a:r>
+              <a:rPr lang="en-US" altLang="ko-KR" sz="2000" dirty="0">
+                <a:solidFill>
+                  <a:srgbClr val="7030A0"/>
+                </a:solidFill>
+              </a:rPr>
+              <a:t>&gt; - </a:t>
+            </a:r>
+            <a:r>
+              <a:rPr lang="ko-KR" altLang="en-US" sz="1600" dirty="0">
+                <a:solidFill>
+                  <a:srgbClr val="7030A0"/>
+                </a:solidFill>
+              </a:rPr>
+              <a:t>작업 공간 확인</a:t>
+            </a:r>
+            <a:r>
+              <a:rPr lang="en-US" altLang="ko-KR" sz="1600" dirty="0">
+                <a:solidFill>
+                  <a:srgbClr val="7030A0"/>
+                </a:solidFill>
+              </a:rPr>
+              <a:t>, google drive </a:t>
+            </a:r>
+            <a:r>
+              <a:rPr lang="ko-KR" altLang="en-US" sz="1600" dirty="0">
+                <a:solidFill>
+                  <a:srgbClr val="7030A0"/>
+                </a:solidFill>
+              </a:rPr>
+              <a:t>연동</a:t>
+            </a:r>
+            <a:endParaRPr lang="ko-KR" altLang="en-US" sz="2000" dirty="0">
+              <a:solidFill>
+                <a:srgbClr val="7030A0"/>
+              </a:solidFill>
+            </a:endParaRPr>
+          </a:p>
+        </p:txBody>
+      </p:sp>
+      <p:sp>
+        <p:nvSpPr>
+          <p:cNvPr id="5" name="직사각형 4">
+            <a:extLst>
+              <a:ext uri="{FF2B5EF4-FFF2-40B4-BE49-F238E27FC236}">
+                <a16:creationId xmlns:a16="http://schemas.microsoft.com/office/drawing/2014/main" id="{6AA26B3B-D7D6-47AD-A3C8-1CCD934976E2}"/>
+              </a:ext>
+            </a:extLst>
+          </p:cNvPr>
+          <p:cNvSpPr/>
+          <p:nvPr/>
+        </p:nvSpPr>
+        <p:spPr>
+          <a:xfrm>
+            <a:off x="6699622" y="1885167"/>
+            <a:ext cx="1442296" cy="222381"/>
+          </a:xfrm>
+          <a:prstGeom prst="rect">
+            <a:avLst/>
+          </a:prstGeom>
+          <a:noFill/>
+          <a:ln>
+            <a:solidFill>
+              <a:srgbClr val="FF0000"/>
+            </a:solidFill>
+          </a:ln>
+        </p:spPr>
+        <p:style>
+          <a:lnRef idx="2">
+            <a:schemeClr val="accent1">
+              <a:shade val="50000"/>
+            </a:schemeClr>
+          </a:lnRef>
+          <a:fillRef idx="1">
+            <a:schemeClr val="accent1"/>
+          </a:fillRef>
+          <a:effectRef idx="0">
+            <a:schemeClr val="accent1"/>
+          </a:effectRef>
+          <a:fontRef idx="minor">
+            <a:schemeClr val="lt1"/>
+          </a:fontRef>
+        </p:style>
+        <p:txBody>
+          <a:bodyPr rtlCol="0" anchor="ctr"/>
+          <a:lstStyle/>
+          <a:p>
+            <a:pPr algn="ctr"/>
+            <a:endParaRPr lang="ko-KR" altLang="en-US"/>
+          </a:p>
+        </p:txBody>
+      </p:sp>
+      <p:sp>
+        <p:nvSpPr>
+          <p:cNvPr id="6" name="직사각형 5">
+            <a:extLst>
+              <a:ext uri="{FF2B5EF4-FFF2-40B4-BE49-F238E27FC236}">
+                <a16:creationId xmlns:a16="http://schemas.microsoft.com/office/drawing/2014/main" id="{10171087-88FE-4BD9-958A-39763B91DEE1}"/>
+              </a:ext>
+            </a:extLst>
+          </p:cNvPr>
+          <p:cNvSpPr/>
+          <p:nvPr/>
+        </p:nvSpPr>
+        <p:spPr>
+          <a:xfrm>
+            <a:off x="7108521" y="2179528"/>
+            <a:ext cx="306887" cy="175365"/>
+          </a:xfrm>
+          <a:prstGeom prst="rect">
+            <a:avLst/>
+          </a:prstGeom>
+          <a:noFill/>
+          <a:ln>
+            <a:solidFill>
+              <a:srgbClr val="00B050"/>
+            </a:solidFill>
+          </a:ln>
+        </p:spPr>
+        <p:style>
+          <a:lnRef idx="2">
+            <a:schemeClr val="accent1">
+              <a:shade val="50000"/>
+            </a:schemeClr>
+          </a:lnRef>
+          <a:fillRef idx="1">
+            <a:schemeClr val="accent1"/>
+          </a:fillRef>
+          <a:effectRef idx="0">
+            <a:schemeClr val="accent1"/>
+          </a:effectRef>
+          <a:fontRef idx="minor">
+            <a:schemeClr val="lt1"/>
+          </a:fontRef>
+        </p:style>
+        <p:txBody>
+          <a:bodyPr rtlCol="0" anchor="ctr"/>
+          <a:lstStyle/>
+          <a:p>
+            <a:pPr algn="ctr"/>
+            <a:endParaRPr lang="ko-KR" altLang="en-US"/>
+          </a:p>
+        </p:txBody>
+      </p:sp>
+      <p:sp>
+        <p:nvSpPr>
+          <p:cNvPr id="7" name="직사각형 6">
+            <a:extLst>
+              <a:ext uri="{FF2B5EF4-FFF2-40B4-BE49-F238E27FC236}">
+                <a16:creationId xmlns:a16="http://schemas.microsoft.com/office/drawing/2014/main" id="{357B0D1F-90CD-42E2-A5B0-443C2611024B}"/>
+              </a:ext>
+            </a:extLst>
+          </p:cNvPr>
+          <p:cNvSpPr/>
+          <p:nvPr/>
+        </p:nvSpPr>
+        <p:spPr>
+          <a:xfrm>
+            <a:off x="6006467" y="2761991"/>
+            <a:ext cx="269073" cy="344464"/>
+          </a:xfrm>
+          <a:prstGeom prst="rect">
+            <a:avLst/>
+          </a:prstGeom>
+          <a:noFill/>
+          <a:ln>
+            <a:solidFill>
+              <a:srgbClr val="7030A0"/>
+            </a:solidFill>
+          </a:ln>
+        </p:spPr>
+        <p:style>
+          <a:lnRef idx="2">
+            <a:schemeClr val="accent1">
+              <a:shade val="50000"/>
+            </a:schemeClr>
+          </a:lnRef>
+          <a:fillRef idx="1">
+            <a:schemeClr val="accent1"/>
+          </a:fillRef>
+          <a:effectRef idx="0">
+            <a:schemeClr val="accent1"/>
+          </a:effectRef>
+          <a:fontRef idx="minor">
+            <a:schemeClr val="lt1"/>
+          </a:fontRef>
+        </p:style>
+        <p:txBody>
+          <a:bodyPr rtlCol="0" anchor="ctr"/>
+          <a:lstStyle/>
+          <a:p>
+            <a:pPr algn="ctr"/>
+            <a:endParaRPr lang="ko-KR" altLang="en-US"/>
+          </a:p>
+        </p:txBody>
+      </p:sp>
+      <p:sp>
+        <p:nvSpPr>
+          <p:cNvPr id="8" name="직사각형 7">
+            <a:extLst>
+              <a:ext uri="{FF2B5EF4-FFF2-40B4-BE49-F238E27FC236}">
+                <a16:creationId xmlns:a16="http://schemas.microsoft.com/office/drawing/2014/main" id="{D70A5169-CEDF-4FA5-A1F5-804FC32B1A2D}"/>
+              </a:ext>
+            </a:extLst>
+          </p:cNvPr>
+          <p:cNvSpPr/>
+          <p:nvPr/>
+        </p:nvSpPr>
+        <p:spPr>
+          <a:xfrm>
+            <a:off x="6707731" y="2170265"/>
+            <a:ext cx="306887" cy="175365"/>
+          </a:xfrm>
+          <a:prstGeom prst="rect">
+            <a:avLst/>
+          </a:prstGeom>
+          <a:noFill/>
+          <a:ln>
+            <a:solidFill>
+              <a:srgbClr val="FFC000"/>
+            </a:solidFill>
+          </a:ln>
+        </p:spPr>
+        <p:style>
+          <a:lnRef idx="2">
+            <a:schemeClr val="accent1">
+              <a:shade val="50000"/>
+            </a:schemeClr>
+          </a:lnRef>
+          <a:fillRef idx="1">
+            <a:schemeClr val="accent1"/>
+          </a:fillRef>
+          <a:effectRef idx="0">
+            <a:schemeClr val="accent1"/>
+          </a:effectRef>
+          <a:fontRef idx="minor">
+            <a:schemeClr val="lt1"/>
+          </a:fontRef>
+        </p:style>
+        <p:txBody>
+          <a:bodyPr rtlCol="0" anchor="ctr"/>
+          <a:lstStyle/>
+          <a:p>
+            <a:pPr algn="ctr"/>
+            <a:endParaRPr lang="ko-KR" altLang="en-US"/>
+          </a:p>
+        </p:txBody>
+      </p:sp>
+    </p:spTree>
+    <p:extLst>
+      <p:ext uri="{BB962C8B-B14F-4D97-AF65-F5344CB8AC3E}">
+        <p14:creationId xmlns:p14="http://schemas.microsoft.com/office/powerpoint/2010/main" val="43476693"/>
+      </p:ext>
+    </p:extLst>
+  </p:cSld>
+  <p:clrMapOvr>
+    <a:masterClrMapping/>
+  </p:clrMapOvr>
+</p:sld>
+</file>
+
+<file path=ppt/slides/slide12.xml><?xml version="1.0" encoding="utf-8"?>
+<p:sld xmlns:a="http://schemas.openxmlformats.org/drawingml/2006/main" xmlns:r="http://schemas.openxmlformats.org/officeDocument/2006/relationships" xmlns:p="http://schemas.openxmlformats.org/presentationml/2006/main">
+  <p:cSld>
+    <p:spTree>
+      <p:nvGrpSpPr>
+        <p:cNvPr id="1" name=""/>
+        <p:cNvGrpSpPr/>
+        <p:nvPr/>
+      </p:nvGrpSpPr>
+      <p:grpSpPr>
+        <a:xfrm>
+          <a:off x="0" y="0"/>
+          <a:ext cx="0" cy="0"/>
+          <a:chOff x="0" y="0"/>
+          <a:chExt cx="0" cy="0"/>
+        </a:xfrm>
+      </p:grpSpPr>
+      <p:sp>
+        <p:nvSpPr>
+          <p:cNvPr id="3" name="내용 개체 틀 2">
+            <a:extLst>
+              <a:ext uri="{FF2B5EF4-FFF2-40B4-BE49-F238E27FC236}">
+                <a16:creationId xmlns:a16="http://schemas.microsoft.com/office/drawing/2014/main" id="{04874665-6166-42E2-B439-9C3CD07D02AA}"/>
+              </a:ext>
+            </a:extLst>
+          </p:cNvPr>
+          <p:cNvSpPr>
+            <a:spLocks noGrp="1"/>
+          </p:cNvSpPr>
+          <p:nvPr>
+            <p:ph idx="1"/>
+          </p:nvPr>
+        </p:nvSpPr>
+        <p:spPr/>
+        <p:txBody>
+          <a:bodyPr>
+            <a:normAutofit/>
+          </a:bodyPr>
+          <a:lstStyle/>
+          <a:p>
+            <a:pPr marL="0" indent="0">
+              <a:buNone/>
+            </a:pPr>
+            <a:r>
+              <a:rPr lang="ko-KR" altLang="en-US" sz="2000" dirty="0">
+                <a:solidFill>
+                  <a:srgbClr val="00B050"/>
+                </a:solidFill>
+              </a:rPr>
+              <a:t>수정 </a:t>
+            </a:r>
+            <a:r>
+              <a:rPr lang="en-US" altLang="ko-KR" sz="2000" dirty="0">
+                <a:solidFill>
+                  <a:srgbClr val="00B050"/>
+                </a:solidFill>
+              </a:rPr>
+              <a:t>– </a:t>
+            </a:r>
+            <a:r>
+              <a:rPr lang="ko-KR" altLang="en-US" sz="2000" dirty="0">
+                <a:solidFill>
+                  <a:srgbClr val="00B050"/>
+                </a:solidFill>
+              </a:rPr>
+              <a:t>노트설정</a:t>
+            </a:r>
+            <a:r>
+              <a:rPr lang="en-US" altLang="ko-KR" sz="2000" dirty="0">
+                <a:solidFill>
+                  <a:srgbClr val="00B050"/>
+                </a:solidFill>
+              </a:rPr>
+              <a:t> – </a:t>
+            </a:r>
+            <a:r>
+              <a:rPr lang="ko-KR" altLang="en-US" sz="2000" dirty="0">
+                <a:solidFill>
+                  <a:srgbClr val="00B050"/>
+                </a:solidFill>
+              </a:rPr>
+              <a:t>하드웨어 가속기</a:t>
+            </a:r>
+            <a:br>
+              <a:rPr lang="en-US" altLang="ko-KR" sz="2000" dirty="0">
+                <a:solidFill>
+                  <a:srgbClr val="00B050"/>
+                </a:solidFill>
+              </a:rPr>
+            </a:br>
+            <a:r>
+              <a:rPr lang="en-US" altLang="ko-KR" sz="2000" dirty="0">
+                <a:solidFill>
+                  <a:srgbClr val="00B050"/>
+                </a:solidFill>
+              </a:rPr>
+              <a:t>- GPU </a:t>
+            </a:r>
+            <a:r>
+              <a:rPr lang="ko-KR" altLang="en-US" sz="2000" dirty="0">
+                <a:solidFill>
+                  <a:srgbClr val="00B050"/>
+                </a:solidFill>
+              </a:rPr>
+              <a:t>선택</a:t>
+            </a:r>
+            <a:endParaRPr lang="en-US" altLang="ko-KR" sz="2000" dirty="0">
+              <a:solidFill>
+                <a:srgbClr val="00B050"/>
+              </a:solidFill>
+            </a:endParaRPr>
+          </a:p>
+        </p:txBody>
+      </p:sp>
+      <p:pic>
+        <p:nvPicPr>
+          <p:cNvPr id="4" name="그림 3">
+            <a:extLst>
+              <a:ext uri="{FF2B5EF4-FFF2-40B4-BE49-F238E27FC236}">
+                <a16:creationId xmlns:a16="http://schemas.microsoft.com/office/drawing/2014/main" id="{3DBAF026-0C19-4F0F-AA99-B9F339C2A1E1}"/>
+              </a:ext>
+            </a:extLst>
+          </p:cNvPr>
+          <p:cNvPicPr>
+            <a:picLocks noChangeAspect="1"/>
+          </p:cNvPicPr>
+          <p:nvPr/>
+        </p:nvPicPr>
+        <p:blipFill>
+          <a:blip r:embed="rId2"/>
+          <a:stretch>
+            <a:fillRect/>
+          </a:stretch>
+        </p:blipFill>
+        <p:spPr>
+          <a:xfrm>
+            <a:off x="7095531" y="1896943"/>
+            <a:ext cx="4258269" cy="3277057"/>
+          </a:xfrm>
+          <a:prstGeom prst="rect">
+            <a:avLst/>
+          </a:prstGeom>
+        </p:spPr>
+      </p:pic>
+    </p:spTree>
+    <p:extLst>
+      <p:ext uri="{BB962C8B-B14F-4D97-AF65-F5344CB8AC3E}">
+        <p14:creationId xmlns:p14="http://schemas.microsoft.com/office/powerpoint/2010/main" val="2474671110"/>
+      </p:ext>
+    </p:extLst>
+  </p:cSld>
+  <p:clrMapOvr>
+    <a:masterClrMapping/>
+  </p:clrMapOvr>
+</p:sld>
+</file>
+
+<file path=ppt/slides/slide13.xml><?xml version="1.0" encoding="utf-8"?>
+<p:sld xmlns:a="http://schemas.openxmlformats.org/drawingml/2006/main" xmlns:r="http://schemas.openxmlformats.org/officeDocument/2006/relationships" xmlns:p="http://schemas.openxmlformats.org/presentationml/2006/main">
+  <p:cSld>
+    <p:spTree>
+      <p:nvGrpSpPr>
+        <p:cNvPr id="1" name=""/>
+        <p:cNvGrpSpPr/>
+        <p:nvPr/>
+      </p:nvGrpSpPr>
+      <p:grpSpPr>
+        <a:xfrm>
+          <a:off x="0" y="0"/>
+          <a:ext cx="0" cy="0"/>
+          <a:chOff x="0" y="0"/>
+          <a:chExt cx="0" cy="0"/>
+        </a:xfrm>
+      </p:grpSpPr>
+      <p:sp>
+        <p:nvSpPr>
+          <p:cNvPr id="2" name="제목 1">
+            <a:extLst>
+              <a:ext uri="{FF2B5EF4-FFF2-40B4-BE49-F238E27FC236}">
+                <a16:creationId xmlns:a16="http://schemas.microsoft.com/office/drawing/2014/main" id="{2191A09C-28CD-42B6-A920-DF5EE4CC6A84}"/>
+              </a:ext>
+            </a:extLst>
+          </p:cNvPr>
+          <p:cNvSpPr>
+            <a:spLocks noGrp="1"/>
+          </p:cNvSpPr>
+          <p:nvPr>
+            <p:ph type="title"/>
+          </p:nvPr>
+        </p:nvSpPr>
+        <p:spPr/>
+        <p:txBody>
+          <a:bodyPr/>
+          <a:lstStyle/>
+          <a:p>
+            <a:r>
+              <a:rPr lang="en-US" altLang="ko-KR" dirty="0" err="1"/>
+              <a:t>colab</a:t>
+            </a:r>
+            <a:r>
+              <a:rPr lang="en-US" altLang="ko-KR" dirty="0"/>
+              <a:t> </a:t>
+            </a:r>
+            <a:r>
+              <a:rPr lang="ko-KR" altLang="en-US" dirty="0"/>
+              <a:t>중요 명령어</a:t>
+            </a:r>
+          </a:p>
+        </p:txBody>
+      </p:sp>
+      <p:sp>
+        <p:nvSpPr>
+          <p:cNvPr id="3" name="내용 개체 틀 2">
+            <a:extLst>
+              <a:ext uri="{FF2B5EF4-FFF2-40B4-BE49-F238E27FC236}">
+                <a16:creationId xmlns:a16="http://schemas.microsoft.com/office/drawing/2014/main" id="{21AA78DF-9D02-4A69-9C0C-3F57588EDC2B}"/>
+              </a:ext>
+            </a:extLst>
+          </p:cNvPr>
+          <p:cNvSpPr>
+            <a:spLocks noGrp="1"/>
+          </p:cNvSpPr>
+          <p:nvPr>
+            <p:ph idx="1"/>
+          </p:nvPr>
+        </p:nvSpPr>
+        <p:spPr/>
+        <p:txBody>
+          <a:bodyPr/>
+          <a:lstStyle/>
+          <a:p>
+            <a:pPr marL="0" indent="0">
+              <a:buNone/>
+            </a:pPr>
+            <a:r>
+              <a:rPr lang="en-US" altLang="ko-KR" dirty="0">
+                <a:solidFill>
+                  <a:srgbClr val="FF0000"/>
+                </a:solidFill>
+              </a:rPr>
+              <a:t>!ls</a:t>
+            </a:r>
+            <a:endParaRPr lang="en-US" altLang="ko-KR" dirty="0"/>
+          </a:p>
+          <a:p>
+            <a:pPr marL="0" indent="0">
+              <a:buNone/>
+            </a:pPr>
+            <a:r>
+              <a:rPr lang="ko-KR" altLang="en-US" sz="2000" dirty="0"/>
+              <a:t>현재 디렉토리의 파일 및 폴더 내역 </a:t>
+            </a:r>
+            <a:br>
+              <a:rPr lang="en-US" altLang="ko-KR" sz="2000" dirty="0"/>
+            </a:br>
+            <a:r>
+              <a:rPr lang="ko-KR" altLang="en-US" sz="2000" dirty="0"/>
+              <a:t>확인</a:t>
+            </a:r>
+            <a:endParaRPr lang="en-US" altLang="ko-KR" sz="2000" dirty="0"/>
+          </a:p>
+          <a:p>
+            <a:endParaRPr lang="en-US" altLang="ko-KR" sz="2000" dirty="0"/>
+          </a:p>
+          <a:p>
+            <a:pPr marL="0" indent="0">
+              <a:buNone/>
+            </a:pPr>
+            <a:r>
+              <a:rPr lang="en-US" altLang="ko-KR" sz="2000" dirty="0"/>
+              <a:t>Cf.</a:t>
+            </a:r>
+            <a:r>
+              <a:rPr lang="ko-KR" altLang="en-US" sz="2000" dirty="0"/>
+              <a:t> 아래는 드라이브 마운트 이후 변경</a:t>
+            </a:r>
+            <a:endParaRPr lang="en-US" altLang="ko-KR" sz="2000" dirty="0"/>
+          </a:p>
+          <a:p>
+            <a:pPr marL="0" indent="0">
+              <a:buNone/>
+            </a:pPr>
+            <a:endParaRPr lang="en-US" altLang="ko-KR" sz="2000" dirty="0"/>
+          </a:p>
+          <a:p>
+            <a:pPr marL="0" indent="0">
+              <a:buNone/>
+            </a:pPr>
+            <a:r>
+              <a:rPr lang="en-US" altLang="ko-KR" dirty="0">
+                <a:solidFill>
+                  <a:srgbClr val="FF0000"/>
+                </a:solidFill>
+              </a:rPr>
+              <a:t>!</a:t>
+            </a:r>
+            <a:r>
+              <a:rPr lang="en-US" altLang="ko-KR" dirty="0" err="1">
+                <a:solidFill>
+                  <a:srgbClr val="FF0000"/>
+                </a:solidFill>
+              </a:rPr>
+              <a:t>pwd</a:t>
+            </a:r>
+            <a:endParaRPr lang="en-US" altLang="ko-KR" sz="2000" dirty="0">
+              <a:solidFill>
+                <a:srgbClr val="FF0000"/>
+              </a:solidFill>
+            </a:endParaRPr>
+          </a:p>
+          <a:p>
+            <a:pPr marL="0" indent="0">
+              <a:buNone/>
+            </a:pPr>
+            <a:r>
+              <a:rPr lang="ko-KR" altLang="en-US" sz="2000" dirty="0"/>
+              <a:t>현재 작업 디렉토리 확인</a:t>
+            </a:r>
+            <a:endParaRPr lang="en-US" altLang="ko-KR" sz="2000" dirty="0"/>
+          </a:p>
+        </p:txBody>
+      </p:sp>
+      <p:pic>
+        <p:nvPicPr>
+          <p:cNvPr id="4" name="그림 3">
+            <a:extLst>
+              <a:ext uri="{FF2B5EF4-FFF2-40B4-BE49-F238E27FC236}">
+                <a16:creationId xmlns:a16="http://schemas.microsoft.com/office/drawing/2014/main" id="{74EC4088-C336-4BA4-BE2C-AE215D2304BB}"/>
+              </a:ext>
+            </a:extLst>
+          </p:cNvPr>
+          <p:cNvPicPr>
+            <a:picLocks noChangeAspect="1"/>
+          </p:cNvPicPr>
+          <p:nvPr/>
+        </p:nvPicPr>
+        <p:blipFill>
+          <a:blip r:embed="rId2"/>
+          <a:stretch>
+            <a:fillRect/>
+          </a:stretch>
+        </p:blipFill>
+        <p:spPr>
+          <a:xfrm>
+            <a:off x="6047993" y="1690688"/>
+            <a:ext cx="5305807" cy="4131119"/>
+          </a:xfrm>
+          <a:prstGeom prst="rect">
+            <a:avLst/>
+          </a:prstGeom>
+        </p:spPr>
+      </p:pic>
+      <p:sp>
+        <p:nvSpPr>
+          <p:cNvPr id="5" name="직사각형 4">
+            <a:extLst>
+              <a:ext uri="{FF2B5EF4-FFF2-40B4-BE49-F238E27FC236}">
+                <a16:creationId xmlns:a16="http://schemas.microsoft.com/office/drawing/2014/main" id="{2CC96680-50CC-433A-9744-CEC954E0BA53}"/>
+              </a:ext>
+            </a:extLst>
+          </p:cNvPr>
+          <p:cNvSpPr/>
+          <p:nvPr/>
+        </p:nvSpPr>
+        <p:spPr>
+          <a:xfrm>
+            <a:off x="9300575" y="2968668"/>
+            <a:ext cx="745299" cy="244258"/>
+          </a:xfrm>
+          <a:prstGeom prst="rect">
+            <a:avLst/>
+          </a:prstGeom>
+          <a:noFill/>
+          <a:ln w="38100">
+            <a:solidFill>
+              <a:srgbClr val="FF0000"/>
+            </a:solidFill>
+          </a:ln>
+        </p:spPr>
+        <p:style>
+          <a:lnRef idx="2">
+            <a:schemeClr val="accent1">
+              <a:shade val="50000"/>
+            </a:schemeClr>
+          </a:lnRef>
+          <a:fillRef idx="1">
+            <a:schemeClr val="accent1"/>
+          </a:fillRef>
+          <a:effectRef idx="0">
+            <a:schemeClr val="accent1"/>
+          </a:effectRef>
+          <a:fontRef idx="minor">
+            <a:schemeClr val="lt1"/>
+          </a:fontRef>
+        </p:style>
+        <p:txBody>
+          <a:bodyPr rtlCol="0" anchor="ctr"/>
+          <a:lstStyle/>
+          <a:p>
+            <a:pPr algn="ctr"/>
+            <a:endParaRPr lang="ko-KR" altLang="en-US"/>
+          </a:p>
+        </p:txBody>
+      </p:sp>
+      <p:sp>
+        <p:nvSpPr>
+          <p:cNvPr id="6" name="직사각형 5">
+            <a:extLst>
+              <a:ext uri="{FF2B5EF4-FFF2-40B4-BE49-F238E27FC236}">
+                <a16:creationId xmlns:a16="http://schemas.microsoft.com/office/drawing/2014/main" id="{F47258FA-E3F4-429A-AAEA-900C384F01E1}"/>
+              </a:ext>
+            </a:extLst>
+          </p:cNvPr>
+          <p:cNvSpPr/>
+          <p:nvPr/>
+        </p:nvSpPr>
+        <p:spPr>
+          <a:xfrm>
+            <a:off x="9300575" y="5100181"/>
+            <a:ext cx="1139869" cy="244258"/>
+          </a:xfrm>
+          <a:prstGeom prst="rect">
+            <a:avLst/>
+          </a:prstGeom>
+          <a:noFill/>
+          <a:ln w="38100">
+            <a:solidFill>
+              <a:srgbClr val="FF0000"/>
+            </a:solidFill>
+          </a:ln>
+        </p:spPr>
+        <p:style>
+          <a:lnRef idx="2">
+            <a:schemeClr val="accent1">
+              <a:shade val="50000"/>
+            </a:schemeClr>
+          </a:lnRef>
+          <a:fillRef idx="1">
+            <a:schemeClr val="accent1"/>
+          </a:fillRef>
+          <a:effectRef idx="0">
+            <a:schemeClr val="accent1"/>
+          </a:effectRef>
+          <a:fontRef idx="minor">
+            <a:schemeClr val="lt1"/>
+          </a:fontRef>
+        </p:style>
+        <p:txBody>
+          <a:bodyPr rtlCol="0" anchor="ctr"/>
+          <a:lstStyle/>
+          <a:p>
+            <a:pPr algn="ctr"/>
+            <a:endParaRPr lang="ko-KR" altLang="en-US"/>
+          </a:p>
+        </p:txBody>
+      </p:sp>
+    </p:spTree>
+    <p:extLst>
+      <p:ext uri="{BB962C8B-B14F-4D97-AF65-F5344CB8AC3E}">
+        <p14:creationId xmlns:p14="http://schemas.microsoft.com/office/powerpoint/2010/main" val="1891163665"/>
+      </p:ext>
+    </p:extLst>
+  </p:cSld>
+  <p:clrMapOvr>
+    <a:masterClrMapping/>
+  </p:clrMapOvr>
+</p:sld>
+</file>
+
+<file path=ppt/slides/slide14.xml><?xml version="1.0" encoding="utf-8"?>
+<p:sld xmlns:a="http://schemas.openxmlformats.org/drawingml/2006/main" xmlns:r="http://schemas.openxmlformats.org/officeDocument/2006/relationships" xmlns:p="http://schemas.openxmlformats.org/presentationml/2006/main">
+  <p:cSld>
+    <p:spTree>
+      <p:nvGrpSpPr>
+        <p:cNvPr id="1" name=""/>
+        <p:cNvGrpSpPr/>
+        <p:nvPr/>
+      </p:nvGrpSpPr>
+      <p:grpSpPr>
+        <a:xfrm>
+          <a:off x="0" y="0"/>
+          <a:ext cx="0" cy="0"/>
+          <a:chOff x="0" y="0"/>
+          <a:chExt cx="0" cy="0"/>
+        </a:xfrm>
+      </p:grpSpPr>
+      <p:sp>
+        <p:nvSpPr>
+          <p:cNvPr id="3" name="내용 개체 틀 2">
+            <a:extLst>
+              <a:ext uri="{FF2B5EF4-FFF2-40B4-BE49-F238E27FC236}">
+                <a16:creationId xmlns:a16="http://schemas.microsoft.com/office/drawing/2014/main" id="{30F43C0C-9747-4FC7-B7BD-ED8B0CFAF395}"/>
+              </a:ext>
+            </a:extLst>
+          </p:cNvPr>
+          <p:cNvSpPr>
+            <a:spLocks noGrp="1"/>
+          </p:cNvSpPr>
+          <p:nvPr>
+            <p:ph idx="1"/>
+          </p:nvPr>
+        </p:nvSpPr>
+        <p:spPr/>
+        <p:txBody>
+          <a:bodyPr/>
+          <a:lstStyle/>
+          <a:p>
+            <a:pPr marL="0" indent="0">
+              <a:buNone/>
+            </a:pPr>
+            <a:r>
+              <a:rPr lang="en-US" altLang="ko-KR" dirty="0">
+                <a:solidFill>
+                  <a:srgbClr val="FF0000"/>
+                </a:solidFill>
+              </a:rPr>
+              <a:t>import </a:t>
+            </a:r>
+            <a:r>
+              <a:rPr lang="en-US" altLang="ko-KR" dirty="0" err="1">
+                <a:solidFill>
+                  <a:srgbClr val="FF0000"/>
+                </a:solidFill>
+              </a:rPr>
+              <a:t>os</a:t>
+            </a:r>
+            <a:endParaRPr lang="en-US" altLang="ko-KR" dirty="0">
+              <a:solidFill>
+                <a:srgbClr val="FF0000"/>
+              </a:solidFill>
+            </a:endParaRPr>
+          </a:p>
+          <a:p>
+            <a:pPr marL="0" indent="0">
+              <a:buNone/>
+            </a:pPr>
+            <a:r>
+              <a:rPr lang="en-US" altLang="ko-KR" dirty="0" err="1">
+                <a:solidFill>
+                  <a:srgbClr val="FF0000"/>
+                </a:solidFill>
+              </a:rPr>
+              <a:t>os.chdir</a:t>
+            </a:r>
+            <a:r>
+              <a:rPr lang="en-US" altLang="ko-KR" dirty="0">
+                <a:solidFill>
+                  <a:srgbClr val="FF0000"/>
+                </a:solidFill>
+              </a:rPr>
+              <a:t>(‘drive/My Drive/ai-sec’)</a:t>
+            </a:r>
+            <a:endParaRPr lang="en-US" altLang="ko-KR" dirty="0"/>
+          </a:p>
+          <a:p>
+            <a:pPr marL="0" indent="0">
+              <a:buNone/>
+            </a:pPr>
+            <a:r>
+              <a:rPr lang="ko-KR" altLang="en-US" sz="2000" dirty="0"/>
+              <a:t>작업 디렉토리 변경</a:t>
+            </a:r>
+            <a:endParaRPr lang="en-US" altLang="ko-KR" sz="2000" dirty="0"/>
+          </a:p>
+          <a:p>
+            <a:pPr marL="0" indent="0">
+              <a:buNone/>
+            </a:pPr>
+            <a:endParaRPr lang="en-US" altLang="ko-KR" sz="2000" dirty="0"/>
+          </a:p>
+          <a:p>
+            <a:pPr marL="0" indent="0">
+              <a:buNone/>
+            </a:pPr>
+            <a:r>
+              <a:rPr lang="en-US" altLang="ko-KR" sz="2000" dirty="0"/>
+              <a:t>* </a:t>
+            </a:r>
+            <a:r>
+              <a:rPr lang="ko-KR" altLang="en-US" sz="2000" dirty="0"/>
+              <a:t>폴더명에 대소문자 확실히 구별 </a:t>
+            </a:r>
+            <a:r>
+              <a:rPr lang="en-US" altLang="ko-KR" sz="2000" dirty="0"/>
+              <a:t>*</a:t>
+            </a:r>
+            <a:endParaRPr lang="ko-KR" altLang="en-US" sz="2000" dirty="0"/>
+          </a:p>
+        </p:txBody>
+      </p:sp>
+      <p:grpSp>
+        <p:nvGrpSpPr>
+          <p:cNvPr id="6" name="그룹 5">
+            <a:extLst>
+              <a:ext uri="{FF2B5EF4-FFF2-40B4-BE49-F238E27FC236}">
+                <a16:creationId xmlns:a16="http://schemas.microsoft.com/office/drawing/2014/main" id="{69E8F26F-A12C-4E75-8972-7FE1ECB6F9C5}"/>
+              </a:ext>
+            </a:extLst>
+          </p:cNvPr>
+          <p:cNvGrpSpPr/>
+          <p:nvPr/>
+        </p:nvGrpSpPr>
+        <p:grpSpPr>
+          <a:xfrm>
+            <a:off x="6946241" y="1825625"/>
+            <a:ext cx="4407559" cy="3779915"/>
+            <a:chOff x="6946241" y="1825625"/>
+            <a:chExt cx="4407559" cy="3779915"/>
+          </a:xfrm>
+        </p:grpSpPr>
+        <p:pic>
+          <p:nvPicPr>
+            <p:cNvPr id="4" name="그림 3">
+              <a:extLst>
+                <a:ext uri="{FF2B5EF4-FFF2-40B4-BE49-F238E27FC236}">
+                  <a16:creationId xmlns:a16="http://schemas.microsoft.com/office/drawing/2014/main" id="{9DA41D07-BD83-4578-A488-1F7AD3062F2A}"/>
+                </a:ext>
+              </a:extLst>
+            </p:cNvPr>
+            <p:cNvPicPr>
+              <a:picLocks noChangeAspect="1"/>
+            </p:cNvPicPr>
+            <p:nvPr/>
+          </p:nvPicPr>
+          <p:blipFill>
+            <a:blip r:embed="rId2"/>
+            <a:stretch>
+              <a:fillRect/>
+            </a:stretch>
+          </p:blipFill>
+          <p:spPr>
+            <a:xfrm>
+              <a:off x="6946241" y="1825625"/>
+              <a:ext cx="4407559" cy="3779915"/>
+            </a:xfrm>
+            <a:prstGeom prst="rect">
+              <a:avLst/>
+            </a:prstGeom>
+          </p:spPr>
+        </p:pic>
+        <p:sp>
+          <p:nvSpPr>
+            <p:cNvPr id="5" name="직사각형 4">
+              <a:extLst>
+                <a:ext uri="{FF2B5EF4-FFF2-40B4-BE49-F238E27FC236}">
+                  <a16:creationId xmlns:a16="http://schemas.microsoft.com/office/drawing/2014/main" id="{B350A25A-6113-4CC3-88F7-22290096273C}"/>
+                </a:ext>
+              </a:extLst>
+            </p:cNvPr>
+            <p:cNvSpPr/>
+            <p:nvPr/>
+          </p:nvSpPr>
+          <p:spPr>
+            <a:xfrm>
+              <a:off x="7052153" y="4440477"/>
+              <a:ext cx="1528176" cy="1008345"/>
+            </a:xfrm>
+            <a:prstGeom prst="rect">
+              <a:avLst/>
+            </a:prstGeom>
+            <a:solidFill>
+              <a:schemeClr val="bg1"/>
+            </a:solidFill>
+            <a:ln>
+              <a:noFill/>
+            </a:ln>
+          </p:spPr>
+          <p:style>
+            <a:lnRef idx="2">
+              <a:schemeClr val="accent1">
+                <a:shade val="50000"/>
+              </a:schemeClr>
+            </a:lnRef>
+            <a:fillRef idx="1">
+              <a:schemeClr val="accent1"/>
+            </a:fillRef>
+            <a:effectRef idx="0">
+              <a:schemeClr val="accent1"/>
+            </a:effectRef>
+            <a:fontRef idx="minor">
+              <a:schemeClr val="lt1"/>
+            </a:fontRef>
+          </p:style>
+          <p:txBody>
+            <a:bodyPr rtlCol="0" anchor="ctr"/>
+            <a:lstStyle/>
+            <a:p>
+              <a:pPr algn="ctr"/>
+              <a:endParaRPr lang="ko-KR" altLang="en-US"/>
+            </a:p>
+          </p:txBody>
+        </p:sp>
+      </p:grpSp>
+    </p:spTree>
+    <p:extLst>
+      <p:ext uri="{BB962C8B-B14F-4D97-AF65-F5344CB8AC3E}">
+        <p14:creationId xmlns:p14="http://schemas.microsoft.com/office/powerpoint/2010/main" val="4039253496"/>
+      </p:ext>
+    </p:extLst>
+  </p:cSld>
+  <p:clrMapOvr>
+    <a:masterClrMapping/>
+  </p:clrMapOvr>
+</p:sld>
+</file>
+
+<file path=ppt/slides/slide15.xml><?xml version="1.0" encoding="utf-8"?>
+<p:sld xmlns:a="http://schemas.openxmlformats.org/drawingml/2006/main" xmlns:r="http://schemas.openxmlformats.org/officeDocument/2006/relationships" xmlns:p="http://schemas.openxmlformats.org/presentationml/2006/main">
+  <p:cSld>
+    <p:spTree>
+      <p:nvGrpSpPr>
+        <p:cNvPr id="1" name=""/>
+        <p:cNvGrpSpPr/>
+        <p:nvPr/>
+      </p:nvGrpSpPr>
+      <p:grpSpPr>
+        <a:xfrm>
+          <a:off x="0" y="0"/>
+          <a:ext cx="0" cy="0"/>
+          <a:chOff x="0" y="0"/>
+          <a:chExt cx="0" cy="0"/>
+        </a:xfrm>
+      </p:grpSpPr>
+      <p:sp>
+        <p:nvSpPr>
+          <p:cNvPr id="3" name="내용 개체 틀 2">
+            <a:extLst>
+              <a:ext uri="{FF2B5EF4-FFF2-40B4-BE49-F238E27FC236}">
+                <a16:creationId xmlns:a16="http://schemas.microsoft.com/office/drawing/2014/main" id="{4E491446-1C6A-4AC7-A290-A064907D469F}"/>
+              </a:ext>
+            </a:extLst>
+          </p:cNvPr>
+          <p:cNvSpPr>
+            <a:spLocks noGrp="1"/>
+          </p:cNvSpPr>
+          <p:nvPr>
+            <p:ph idx="1"/>
+          </p:nvPr>
+        </p:nvSpPr>
+        <p:spPr/>
+        <p:txBody>
+          <a:bodyPr>
+            <a:normAutofit/>
+          </a:bodyPr>
+          <a:lstStyle/>
+          <a:p>
+            <a:pPr marL="0" indent="0">
+              <a:buNone/>
+            </a:pPr>
+            <a:r>
+              <a:rPr lang="en-US" altLang="ko-KR" dirty="0">
+                <a:solidFill>
+                  <a:srgbClr val="FF0000"/>
+                </a:solidFill>
+              </a:rPr>
+              <a:t>!git</a:t>
+            </a:r>
+            <a:r>
+              <a:rPr lang="ko-KR" altLang="en-US" dirty="0">
+                <a:solidFill>
+                  <a:srgbClr val="FF0000"/>
+                </a:solidFill>
+              </a:rPr>
+              <a:t> </a:t>
+            </a:r>
+            <a:r>
+              <a:rPr lang="en-US" altLang="ko-KR" dirty="0">
+                <a:solidFill>
+                  <a:srgbClr val="FF0000"/>
+                </a:solidFill>
+              </a:rPr>
+              <a:t>clone</a:t>
+            </a:r>
+            <a:r>
+              <a:rPr lang="ko-KR" altLang="en-US" dirty="0">
+                <a:solidFill>
+                  <a:srgbClr val="FF0000"/>
+                </a:solidFill>
+              </a:rPr>
+              <a:t> </a:t>
+            </a:r>
+            <a:r>
+              <a:rPr lang="en-US" altLang="ko-KR" dirty="0">
+                <a:solidFill>
+                  <a:srgbClr val="FF0000"/>
+                </a:solidFill>
+              </a:rPr>
+              <a:t>https://github.com/</a:t>
+            </a:r>
+          </a:p>
+          <a:p>
+            <a:pPr marL="0" indent="0">
+              <a:buNone/>
+            </a:pPr>
+            <a:r>
+              <a:rPr lang="en-US" altLang="ko-KR" dirty="0" err="1">
+                <a:solidFill>
+                  <a:srgbClr val="FF0000"/>
+                </a:solidFill>
+              </a:rPr>
+              <a:t>GunhoChoi</a:t>
+            </a:r>
+            <a:r>
+              <a:rPr lang="en-US" altLang="ko-KR" dirty="0">
+                <a:solidFill>
+                  <a:srgbClr val="FF0000"/>
+                </a:solidFill>
+              </a:rPr>
+              <a:t>/</a:t>
+            </a:r>
+            <a:r>
+              <a:rPr lang="en-US" altLang="ko-KR" dirty="0" err="1">
+                <a:solidFill>
+                  <a:srgbClr val="FF0000"/>
+                </a:solidFill>
+              </a:rPr>
+              <a:t>PyTorch-FastCampus.git</a:t>
+            </a:r>
+            <a:endParaRPr lang="en-US" altLang="ko-KR" dirty="0"/>
+          </a:p>
+          <a:p>
+            <a:pPr marL="0" indent="0">
+              <a:buNone/>
+            </a:pPr>
+            <a:r>
+              <a:rPr lang="ko-KR" altLang="en-US" sz="2000" dirty="0"/>
+              <a:t>원하는 </a:t>
+            </a:r>
+            <a:r>
+              <a:rPr lang="en-US" altLang="ko-KR" sz="2000" dirty="0" err="1"/>
+              <a:t>github</a:t>
+            </a:r>
+            <a:r>
+              <a:rPr lang="en-US" altLang="ko-KR" sz="2000" dirty="0"/>
+              <a:t> clone </a:t>
+            </a:r>
+            <a:r>
+              <a:rPr lang="ko-KR" altLang="en-US" sz="2000" dirty="0"/>
+              <a:t>해오기</a:t>
+            </a:r>
+            <a:endParaRPr lang="en-US" altLang="ko-KR" sz="2000" dirty="0"/>
+          </a:p>
+        </p:txBody>
+      </p:sp>
+      <p:pic>
+        <p:nvPicPr>
+          <p:cNvPr id="2" name="그림 1">
+            <a:extLst>
+              <a:ext uri="{FF2B5EF4-FFF2-40B4-BE49-F238E27FC236}">
+                <a16:creationId xmlns:a16="http://schemas.microsoft.com/office/drawing/2014/main" id="{2EAF78F5-9D14-4539-8F01-9BEA4B9D251D}"/>
+              </a:ext>
+            </a:extLst>
+          </p:cNvPr>
+          <p:cNvPicPr>
+            <a:picLocks noChangeAspect="1"/>
+          </p:cNvPicPr>
+          <p:nvPr/>
+        </p:nvPicPr>
+        <p:blipFill>
+          <a:blip r:embed="rId2"/>
+          <a:stretch>
+            <a:fillRect/>
+          </a:stretch>
+        </p:blipFill>
+        <p:spPr>
+          <a:xfrm>
+            <a:off x="6775307" y="1825625"/>
+            <a:ext cx="4578493" cy="3228627"/>
+          </a:xfrm>
+          <a:prstGeom prst="rect">
+            <a:avLst/>
+          </a:prstGeom>
+        </p:spPr>
+      </p:pic>
+    </p:spTree>
+    <p:extLst>
+      <p:ext uri="{BB962C8B-B14F-4D97-AF65-F5344CB8AC3E}">
+        <p14:creationId xmlns:p14="http://schemas.microsoft.com/office/powerpoint/2010/main" val="3313928919"/>
+      </p:ext>
+    </p:extLst>
+  </p:cSld>
+  <p:clrMapOvr>
+    <a:masterClrMapping/>
+  </p:clrMapOvr>
+</p:sld>
+</file>
+
+<file path=ppt/slides/slide16.xml><?xml version="1.0" encoding="utf-8"?>
+<p:sld xmlns:a="http://schemas.openxmlformats.org/drawingml/2006/main" xmlns:r="http://schemas.openxmlformats.org/officeDocument/2006/relationships" xmlns:p="http://schemas.openxmlformats.org/presentationml/2006/main">
+  <p:cSld>
+    <p:spTree>
+      <p:nvGrpSpPr>
+        <p:cNvPr id="1" name=""/>
+        <p:cNvGrpSpPr/>
+        <p:nvPr/>
+      </p:nvGrpSpPr>
+      <p:grpSpPr>
+        <a:xfrm>
+          <a:off x="0" y="0"/>
+          <a:ext cx="0" cy="0"/>
+          <a:chOff x="0" y="0"/>
+          <a:chExt cx="0" cy="0"/>
+        </a:xfrm>
+      </p:grpSpPr>
+      <p:sp>
+        <p:nvSpPr>
+          <p:cNvPr id="3" name="내용 개체 틀 2">
+            <a:extLst>
+              <a:ext uri="{FF2B5EF4-FFF2-40B4-BE49-F238E27FC236}">
+                <a16:creationId xmlns:a16="http://schemas.microsoft.com/office/drawing/2014/main" id="{4E491446-1C6A-4AC7-A290-A064907D469F}"/>
+              </a:ext>
+            </a:extLst>
+          </p:cNvPr>
+          <p:cNvSpPr>
+            <a:spLocks noGrp="1"/>
+          </p:cNvSpPr>
+          <p:nvPr>
+            <p:ph idx="1"/>
+          </p:nvPr>
+        </p:nvSpPr>
+        <p:spPr/>
+        <p:txBody>
+          <a:bodyPr>
+            <a:normAutofit/>
+          </a:bodyPr>
+          <a:lstStyle/>
+          <a:p>
+            <a:pPr marL="0" indent="0">
+              <a:buNone/>
+            </a:pPr>
+            <a:r>
+              <a:rPr lang="en-US" altLang="ko-KR" sz="2000" dirty="0"/>
+              <a:t>Google drive</a:t>
+            </a:r>
+            <a:r>
+              <a:rPr lang="ko-KR" altLang="en-US" sz="2000" dirty="0"/>
+              <a:t>에서 해당 </a:t>
+            </a:r>
+            <a:r>
+              <a:rPr lang="en-US" altLang="ko-KR" sz="2000" dirty="0"/>
+              <a:t>clone </a:t>
+            </a:r>
+            <a:r>
+              <a:rPr lang="ko-KR" altLang="en-US" sz="2000" dirty="0"/>
+              <a:t>폴더에 </a:t>
+            </a:r>
+            <a:endParaRPr lang="en-US" altLang="ko-KR" sz="2000" dirty="0"/>
+          </a:p>
+          <a:p>
+            <a:pPr marL="0" indent="0">
+              <a:buNone/>
+            </a:pPr>
+            <a:r>
+              <a:rPr lang="ko-KR" altLang="en-US" sz="2000" dirty="0"/>
+              <a:t>접근 가능</a:t>
+            </a:r>
+            <a:endParaRPr lang="en-US" altLang="ko-KR" sz="2000" dirty="0"/>
+          </a:p>
+          <a:p>
+            <a:pPr marL="0" indent="0">
+              <a:buNone/>
+            </a:pPr>
+            <a:endParaRPr lang="en-US" altLang="ko-KR" sz="2000" dirty="0"/>
+          </a:p>
+          <a:p>
+            <a:pPr marL="0" indent="0">
+              <a:buNone/>
+            </a:pPr>
+            <a:r>
+              <a:rPr lang="ko-KR" altLang="en-US" sz="2000" dirty="0"/>
+              <a:t>원하는 파일을 </a:t>
+            </a:r>
+            <a:r>
+              <a:rPr lang="ko-KR" altLang="en-US" sz="2000" dirty="0" err="1"/>
+              <a:t>우클릭</a:t>
+            </a:r>
+            <a:r>
+              <a:rPr lang="ko-KR" altLang="en-US" sz="2000" dirty="0"/>
+              <a:t> 후 </a:t>
+            </a:r>
+            <a:r>
+              <a:rPr lang="ko-KR" altLang="en-US" sz="2000" dirty="0" err="1"/>
+              <a:t>연결앱에서</a:t>
+            </a:r>
+            <a:r>
+              <a:rPr lang="ko-KR" altLang="en-US" sz="2000" dirty="0"/>
+              <a:t> </a:t>
+            </a:r>
+            <a:endParaRPr lang="en-US" altLang="ko-KR" sz="2000" dirty="0"/>
+          </a:p>
+          <a:p>
+            <a:pPr marL="0" indent="0">
+              <a:buNone/>
+            </a:pPr>
+            <a:r>
+              <a:rPr lang="en-US" altLang="ko-KR" sz="2000" dirty="0"/>
+              <a:t>google </a:t>
+            </a:r>
+            <a:r>
+              <a:rPr lang="en-US" altLang="ko-KR" sz="2000" dirty="0" err="1"/>
+              <a:t>colab</a:t>
+            </a:r>
+            <a:r>
+              <a:rPr lang="en-US" altLang="ko-KR" sz="2000" dirty="0"/>
+              <a:t> </a:t>
+            </a:r>
+            <a:r>
+              <a:rPr lang="ko-KR" altLang="en-US" sz="2000" dirty="0"/>
+              <a:t>선택</a:t>
+            </a:r>
+          </a:p>
+        </p:txBody>
+      </p:sp>
+      <p:pic>
+        <p:nvPicPr>
+          <p:cNvPr id="4" name="그림 3">
+            <a:extLst>
+              <a:ext uri="{FF2B5EF4-FFF2-40B4-BE49-F238E27FC236}">
+                <a16:creationId xmlns:a16="http://schemas.microsoft.com/office/drawing/2014/main" id="{38802BBF-ECF4-4D95-A4D4-71D9CDD69357}"/>
+              </a:ext>
+            </a:extLst>
+          </p:cNvPr>
+          <p:cNvPicPr>
+            <a:picLocks noChangeAspect="1"/>
+          </p:cNvPicPr>
+          <p:nvPr/>
+        </p:nvPicPr>
+        <p:blipFill>
+          <a:blip r:embed="rId2"/>
+          <a:stretch>
+            <a:fillRect/>
+          </a:stretch>
+        </p:blipFill>
+        <p:spPr>
+          <a:xfrm>
+            <a:off x="5662984" y="1825625"/>
+            <a:ext cx="5690816" cy="3368844"/>
+          </a:xfrm>
+          <a:prstGeom prst="rect">
+            <a:avLst/>
+          </a:prstGeom>
+        </p:spPr>
+      </p:pic>
+    </p:spTree>
+    <p:extLst>
+      <p:ext uri="{BB962C8B-B14F-4D97-AF65-F5344CB8AC3E}">
+        <p14:creationId xmlns:p14="http://schemas.microsoft.com/office/powerpoint/2010/main" val="1854661308"/>
+      </p:ext>
+    </p:extLst>
+  </p:cSld>
+  <p:clrMapOvr>
+    <a:masterClrMapping/>
+  </p:clrMapOvr>
+</p:sld>
+</file>
+
+<file path=ppt/slides/slide17.xml><?xml version="1.0" encoding="utf-8"?>
+<p:sld xmlns:a="http://schemas.openxmlformats.org/drawingml/2006/main" xmlns:r="http://schemas.openxmlformats.org/officeDocument/2006/relationships" xmlns:p="http://schemas.openxmlformats.org/presentationml/2006/main">
+  <p:cSld>
+    <p:spTree>
+      <p:nvGrpSpPr>
+        <p:cNvPr id="1" name=""/>
+        <p:cNvGrpSpPr/>
+        <p:nvPr/>
+      </p:nvGrpSpPr>
+      <p:grpSpPr>
+        <a:xfrm>
+          <a:off x="0" y="0"/>
+          <a:ext cx="0" cy="0"/>
+          <a:chOff x="0" y="0"/>
+          <a:chExt cx="0" cy="0"/>
+        </a:xfrm>
+      </p:grpSpPr>
+      <p:sp>
+        <p:nvSpPr>
+          <p:cNvPr id="2" name="제목 1">
+            <a:extLst>
+              <a:ext uri="{FF2B5EF4-FFF2-40B4-BE49-F238E27FC236}">
+                <a16:creationId xmlns:a16="http://schemas.microsoft.com/office/drawing/2014/main" id="{612EECAB-A8C9-45E9-A9A5-21C4942D7C74}"/>
+              </a:ext>
+            </a:extLst>
+          </p:cNvPr>
+          <p:cNvSpPr>
+            <a:spLocks noGrp="1"/>
+          </p:cNvSpPr>
+          <p:nvPr>
+            <p:ph type="title"/>
+          </p:nvPr>
+        </p:nvSpPr>
+        <p:spPr/>
+        <p:txBody>
+          <a:bodyPr/>
+          <a:lstStyle/>
+          <a:p>
+            <a:r>
+              <a:rPr lang="en-US" altLang="ko-KR" dirty="0"/>
+              <a:t>Summary</a:t>
+            </a:r>
+            <a:endParaRPr lang="ko-KR" altLang="en-US" dirty="0"/>
+          </a:p>
+        </p:txBody>
+      </p:sp>
+      <p:sp>
+        <p:nvSpPr>
+          <p:cNvPr id="3" name="내용 개체 틀 2">
+            <a:extLst>
+              <a:ext uri="{FF2B5EF4-FFF2-40B4-BE49-F238E27FC236}">
+                <a16:creationId xmlns:a16="http://schemas.microsoft.com/office/drawing/2014/main" id="{8CBA45B2-3FA3-4E73-AC80-E1CA413CEE4D}"/>
+              </a:ext>
+            </a:extLst>
+          </p:cNvPr>
+          <p:cNvSpPr>
+            <a:spLocks noGrp="1"/>
+          </p:cNvSpPr>
+          <p:nvPr>
+            <p:ph idx="1"/>
+          </p:nvPr>
+        </p:nvSpPr>
+        <p:spPr/>
+        <p:txBody>
+          <a:bodyPr/>
+          <a:lstStyle/>
+          <a:p>
+            <a:pPr marL="0" indent="0">
+              <a:buNone/>
+            </a:pPr>
+            <a:r>
+              <a:rPr lang="en-US" altLang="ko-KR" dirty="0">
+                <a:solidFill>
+                  <a:srgbClr val="FF0000"/>
+                </a:solidFill>
+              </a:rPr>
+              <a:t>!ls </a:t>
+            </a:r>
+            <a:r>
+              <a:rPr lang="en-US" altLang="ko-KR" dirty="0"/>
+              <a:t>– </a:t>
+            </a:r>
+            <a:r>
+              <a:rPr lang="ko-KR" altLang="en-US" dirty="0"/>
+              <a:t>현재 작업 디렉토리에 있는 파일 및 폴더 확인</a:t>
+            </a:r>
+            <a:endParaRPr lang="en-US" altLang="ko-KR" dirty="0"/>
+          </a:p>
+          <a:p>
+            <a:pPr marL="0" indent="0">
+              <a:buNone/>
+            </a:pPr>
+            <a:r>
+              <a:rPr lang="en-US" altLang="ko-KR" dirty="0">
+                <a:solidFill>
+                  <a:srgbClr val="FF0000"/>
+                </a:solidFill>
+              </a:rPr>
+              <a:t>!</a:t>
+            </a:r>
+            <a:r>
+              <a:rPr lang="en-US" altLang="ko-KR" dirty="0" err="1">
+                <a:solidFill>
+                  <a:srgbClr val="FF0000"/>
+                </a:solidFill>
+              </a:rPr>
+              <a:t>pwd</a:t>
+            </a:r>
+            <a:r>
+              <a:rPr lang="en-US" altLang="ko-KR" dirty="0">
+                <a:solidFill>
+                  <a:srgbClr val="FF0000"/>
+                </a:solidFill>
+              </a:rPr>
+              <a:t> </a:t>
+            </a:r>
+            <a:r>
+              <a:rPr lang="en-US" altLang="ko-KR" dirty="0"/>
+              <a:t>– </a:t>
+            </a:r>
+            <a:r>
+              <a:rPr lang="ko-KR" altLang="en-US" dirty="0"/>
+              <a:t>현재 내 작업 디렉토리가 무엇인지 확인</a:t>
+            </a:r>
+            <a:endParaRPr lang="en-US" altLang="ko-KR" dirty="0"/>
+          </a:p>
+          <a:p>
+            <a:pPr marL="0" indent="0">
+              <a:buNone/>
+            </a:pPr>
+            <a:r>
+              <a:rPr lang="en-US" altLang="ko-KR" dirty="0">
+                <a:solidFill>
+                  <a:srgbClr val="FF0000"/>
+                </a:solidFill>
+              </a:rPr>
+              <a:t>!git ~ </a:t>
+            </a:r>
+            <a:r>
+              <a:rPr lang="en-US" altLang="ko-KR" dirty="0"/>
+              <a:t>– git </a:t>
+            </a:r>
+            <a:r>
+              <a:rPr lang="ko-KR" altLang="en-US" dirty="0"/>
+              <a:t>명령어를 쓸 때는 </a:t>
+            </a:r>
+            <a:r>
+              <a:rPr lang="en-US" altLang="ko-KR" dirty="0"/>
+              <a:t>! </a:t>
+            </a:r>
+            <a:r>
+              <a:rPr lang="ko-KR" altLang="en-US" dirty="0"/>
+              <a:t>붙여서 쓰기</a:t>
+            </a:r>
+            <a:endParaRPr lang="en-US" altLang="ko-KR" dirty="0"/>
+          </a:p>
+          <a:p>
+            <a:pPr marL="0" indent="0">
+              <a:buNone/>
+            </a:pPr>
+            <a:endParaRPr lang="en-US" altLang="ko-KR" dirty="0"/>
+          </a:p>
+          <a:p>
+            <a:pPr marL="0" indent="0">
+              <a:buNone/>
+            </a:pPr>
+            <a:r>
+              <a:rPr lang="en-US" altLang="ko-KR" dirty="0">
+                <a:solidFill>
+                  <a:srgbClr val="FF0000"/>
+                </a:solidFill>
+              </a:rPr>
+              <a:t>import </a:t>
+            </a:r>
+            <a:r>
+              <a:rPr lang="en-US" altLang="ko-KR" dirty="0" err="1">
+                <a:solidFill>
+                  <a:srgbClr val="FF0000"/>
+                </a:solidFill>
+              </a:rPr>
+              <a:t>os</a:t>
+            </a:r>
+            <a:endParaRPr lang="en-US" altLang="ko-KR" dirty="0">
+              <a:solidFill>
+                <a:srgbClr val="FF0000"/>
+              </a:solidFill>
+            </a:endParaRPr>
+          </a:p>
+          <a:p>
+            <a:pPr marL="0" indent="0">
+              <a:buNone/>
+            </a:pPr>
+            <a:r>
+              <a:rPr lang="en-US" altLang="ko-KR" dirty="0" err="1">
+                <a:solidFill>
+                  <a:srgbClr val="FF0000"/>
+                </a:solidFill>
+              </a:rPr>
+              <a:t>os.chdir</a:t>
+            </a:r>
+            <a:r>
+              <a:rPr lang="en-US" altLang="ko-KR" dirty="0">
+                <a:solidFill>
+                  <a:srgbClr val="FF0000"/>
+                </a:solidFill>
+              </a:rPr>
+              <a:t>(‘</a:t>
+            </a:r>
+            <a:r>
+              <a:rPr lang="ko-KR" altLang="en-US" dirty="0">
+                <a:solidFill>
+                  <a:srgbClr val="FF0000"/>
+                </a:solidFill>
+              </a:rPr>
+              <a:t>바꾸려는 경로</a:t>
+            </a:r>
+            <a:r>
+              <a:rPr lang="en-US" altLang="ko-KR" dirty="0">
+                <a:solidFill>
+                  <a:srgbClr val="FF0000"/>
+                </a:solidFill>
+              </a:rPr>
+              <a:t>’) </a:t>
+            </a:r>
+            <a:r>
+              <a:rPr lang="en-US" altLang="ko-KR" dirty="0"/>
+              <a:t>– </a:t>
+            </a:r>
+            <a:r>
+              <a:rPr lang="ko-KR" altLang="en-US" dirty="0"/>
+              <a:t>작업 디렉토리 변경하기</a:t>
+            </a:r>
+          </a:p>
+        </p:txBody>
+      </p:sp>
+    </p:spTree>
+    <p:extLst>
+      <p:ext uri="{BB962C8B-B14F-4D97-AF65-F5344CB8AC3E}">
+        <p14:creationId xmlns:p14="http://schemas.microsoft.com/office/powerpoint/2010/main" val="2714127803"/>
       </p:ext>
     </p:extLst>
   </p:cSld>
@@ -3541,35 +5515,6 @@
       </p:grpSpPr>
       <p:sp>
         <p:nvSpPr>
-          <p:cNvPr id="2" name="제목 1">
-            <a:extLst>
-              <a:ext uri="{FF2B5EF4-FFF2-40B4-BE49-F238E27FC236}">
-                <a16:creationId xmlns:a16="http://schemas.microsoft.com/office/drawing/2014/main" id="{75916314-8F45-4C6E-AE73-0013933B0760}"/>
-              </a:ext>
-            </a:extLst>
-          </p:cNvPr>
-          <p:cNvSpPr>
-            <a:spLocks noGrp="1"/>
-          </p:cNvSpPr>
-          <p:nvPr>
-            <p:ph type="title"/>
-          </p:nvPr>
-        </p:nvSpPr>
-        <p:spPr/>
-        <p:txBody>
-          <a:bodyPr/>
-          <a:lstStyle/>
-          <a:p>
-            <a:r>
-              <a:rPr lang="en-US" altLang="ko-KR" dirty="0"/>
-              <a:t>Review</a:t>
-            </a:r>
-            <a:endParaRPr lang="ko-KR" altLang="en-US" dirty="0"/>
-          </a:p>
-        </p:txBody>
-      </p:sp>
-      <p:sp>
-        <p:nvSpPr>
           <p:cNvPr id="3" name="내용 개체 틀 2">
             <a:extLst>
               <a:ext uri="{FF2B5EF4-FFF2-40B4-BE49-F238E27FC236}">
@@ -3602,6 +5547,9 @@
             <a:endParaRPr lang="en-US" altLang="ko-KR" dirty="0"/>
           </a:p>
           <a:p>
+            <a:pPr marL="0" indent="0">
+              <a:buNone/>
+            </a:pPr>
             <a:r>
               <a:rPr lang="en-US" altLang="ko-KR" dirty="0">
                 <a:solidFill>
@@ -3623,6 +5571,9 @@
             </a:endParaRPr>
           </a:p>
           <a:p>
+            <a:pPr marL="0" indent="0">
+              <a:buNone/>
+            </a:pPr>
             <a:r>
               <a:rPr lang="en-US" altLang="ko-KR" dirty="0">
                 <a:solidFill>
@@ -3839,18 +5790,18 @@
       </p:grpSpPr>
       <p:sp>
         <p:nvSpPr>
-          <p:cNvPr id="2" name="제목 1">
-            <a:extLst>
-              <a:ext uri="{FF2B5EF4-FFF2-40B4-BE49-F238E27FC236}">
-                <a16:creationId xmlns:a16="http://schemas.microsoft.com/office/drawing/2014/main" id="{75916314-8F45-4C6E-AE73-0013933B0760}"/>
-              </a:ext>
-            </a:extLst>
-          </p:cNvPr>
-          <p:cNvSpPr>
-            <a:spLocks noGrp="1"/>
-          </p:cNvSpPr>
-          <p:nvPr>
-            <p:ph type="title"/>
+          <p:cNvPr id="3" name="내용 개체 틀 2">
+            <a:extLst>
+              <a:ext uri="{FF2B5EF4-FFF2-40B4-BE49-F238E27FC236}">
+                <a16:creationId xmlns:a16="http://schemas.microsoft.com/office/drawing/2014/main" id="{51D348FE-12CF-453C-8812-52B460371426}"/>
+              </a:ext>
+            </a:extLst>
+          </p:cNvPr>
+          <p:cNvSpPr>
+            <a:spLocks noGrp="1"/>
+          </p:cNvSpPr>
+          <p:nvPr>
+            <p:ph idx="1"/>
           </p:nvPr>
         </p:nvSpPr>
         <p:spPr/>
@@ -3858,35 +5809,9 @@
           <a:bodyPr/>
           <a:lstStyle/>
           <a:p>
-            <a:r>
-              <a:rPr lang="en-US" altLang="ko-KR" dirty="0"/>
-              <a:t>Review</a:t>
-            </a:r>
-            <a:endParaRPr lang="ko-KR" altLang="en-US" dirty="0"/>
-          </a:p>
-        </p:txBody>
-      </p:sp>
-      <p:sp>
-        <p:nvSpPr>
-          <p:cNvPr id="3" name="내용 개체 틀 2">
-            <a:extLst>
-              <a:ext uri="{FF2B5EF4-FFF2-40B4-BE49-F238E27FC236}">
-                <a16:creationId xmlns:a16="http://schemas.microsoft.com/office/drawing/2014/main" id="{51D348FE-12CF-453C-8812-52B460371426}"/>
-              </a:ext>
-            </a:extLst>
-          </p:cNvPr>
-          <p:cNvSpPr>
-            <a:spLocks noGrp="1"/>
-          </p:cNvSpPr>
-          <p:nvPr>
-            <p:ph idx="1"/>
-          </p:nvPr>
-        </p:nvSpPr>
-        <p:spPr/>
-        <p:txBody>
-          <a:bodyPr/>
-          <a:lstStyle/>
-          <a:p>
+            <a:pPr marL="0" indent="0">
+              <a:buNone/>
+            </a:pPr>
             <a:r>
               <a:rPr lang="en-US" altLang="ko-KR" dirty="0">
                 <a:solidFill>
@@ -3921,6 +5846,9 @@
             </a:endParaRPr>
           </a:p>
           <a:p>
+            <a:pPr marL="0" indent="0">
+              <a:buNone/>
+            </a:pPr>
             <a:r>
               <a:rPr lang="en-US" altLang="ko-KR" dirty="0">
                 <a:solidFill>
@@ -4023,6 +5951,88 @@
           </a:p>
         </p:txBody>
       </p:sp>
+      <p:pic>
+        <p:nvPicPr>
+          <p:cNvPr id="6" name="그림 5">
+            <a:extLst>
+              <a:ext uri="{FF2B5EF4-FFF2-40B4-BE49-F238E27FC236}">
+                <a16:creationId xmlns:a16="http://schemas.microsoft.com/office/drawing/2014/main" id="{7D557B4F-C88D-470E-8213-86DAAB0E1985}"/>
+              </a:ext>
+            </a:extLst>
+          </p:cNvPr>
+          <p:cNvPicPr>
+            <a:picLocks noChangeAspect="1"/>
+          </p:cNvPicPr>
+          <p:nvPr/>
+        </p:nvPicPr>
+        <p:blipFill>
+          <a:blip r:embed="rId3"/>
+          <a:stretch>
+            <a:fillRect/>
+          </a:stretch>
+        </p:blipFill>
+        <p:spPr>
+          <a:xfrm>
+            <a:off x="5008916" y="3287797"/>
+            <a:ext cx="5949312" cy="1292651"/>
+          </a:xfrm>
+          <a:prstGeom prst="rect">
+            <a:avLst/>
+          </a:prstGeom>
+        </p:spPr>
+      </p:pic>
+      <p:sp>
+        <p:nvSpPr>
+          <p:cNvPr id="7" name="직사각형 6">
+            <a:extLst>
+              <a:ext uri="{FF2B5EF4-FFF2-40B4-BE49-F238E27FC236}">
+                <a16:creationId xmlns:a16="http://schemas.microsoft.com/office/drawing/2014/main" id="{479D6A28-5926-49E5-B408-65127B18C9B2}"/>
+              </a:ext>
+            </a:extLst>
+          </p:cNvPr>
+          <p:cNvSpPr/>
+          <p:nvPr/>
+        </p:nvSpPr>
+        <p:spPr>
+          <a:xfrm>
+            <a:off x="6096000" y="4231532"/>
+            <a:ext cx="820848" cy="348916"/>
+          </a:xfrm>
+          <a:prstGeom prst="rect">
+            <a:avLst/>
+          </a:prstGeom>
+          <a:noFill/>
+          <a:ln w="38100">
+            <a:solidFill>
+              <a:srgbClr val="FF0000"/>
+            </a:solidFill>
+          </a:ln>
+        </p:spPr>
+        <p:style>
+          <a:lnRef idx="2">
+            <a:schemeClr val="accent1">
+              <a:shade val="50000"/>
+            </a:schemeClr>
+          </a:lnRef>
+          <a:fillRef idx="1">
+            <a:schemeClr val="accent1"/>
+          </a:fillRef>
+          <a:effectRef idx="0">
+            <a:schemeClr val="accent1"/>
+          </a:effectRef>
+          <a:fontRef idx="minor">
+            <a:schemeClr val="lt1"/>
+          </a:fontRef>
+        </p:style>
+        <p:txBody>
+          <a:bodyPr rtlCol="0" anchor="ctr"/>
+          <a:lstStyle/>
+          <a:p>
+            <a:pPr algn="ctr"/>
+            <a:endParaRPr lang="ko-KR" altLang="en-US"/>
+          </a:p>
+        </p:txBody>
+      </p:sp>
     </p:spTree>
     <p:extLst>
       <p:ext uri="{BB962C8B-B14F-4D97-AF65-F5344CB8AC3E}">
@@ -4055,18 +6065,18 @@
       </p:grpSpPr>
       <p:sp>
         <p:nvSpPr>
-          <p:cNvPr id="2" name="제목 1">
-            <a:extLst>
-              <a:ext uri="{FF2B5EF4-FFF2-40B4-BE49-F238E27FC236}">
-                <a16:creationId xmlns:a16="http://schemas.microsoft.com/office/drawing/2014/main" id="{75916314-8F45-4C6E-AE73-0013933B0760}"/>
-              </a:ext>
-            </a:extLst>
-          </p:cNvPr>
-          <p:cNvSpPr>
-            <a:spLocks noGrp="1"/>
-          </p:cNvSpPr>
-          <p:nvPr>
-            <p:ph type="title"/>
+          <p:cNvPr id="3" name="내용 개체 틀 2">
+            <a:extLst>
+              <a:ext uri="{FF2B5EF4-FFF2-40B4-BE49-F238E27FC236}">
+                <a16:creationId xmlns:a16="http://schemas.microsoft.com/office/drawing/2014/main" id="{51D348FE-12CF-453C-8812-52B460371426}"/>
+              </a:ext>
+            </a:extLst>
+          </p:cNvPr>
+          <p:cNvSpPr>
+            <a:spLocks noGrp="1"/>
+          </p:cNvSpPr>
+          <p:nvPr>
+            <p:ph idx="1"/>
           </p:nvPr>
         </p:nvSpPr>
         <p:spPr/>
@@ -4074,35 +6084,9 @@
           <a:bodyPr/>
           <a:lstStyle/>
           <a:p>
-            <a:r>
-              <a:rPr lang="en-US" altLang="ko-KR" dirty="0"/>
-              <a:t>Review</a:t>
-            </a:r>
-            <a:endParaRPr lang="ko-KR" altLang="en-US" dirty="0"/>
-          </a:p>
-        </p:txBody>
-      </p:sp>
-      <p:sp>
-        <p:nvSpPr>
-          <p:cNvPr id="3" name="내용 개체 틀 2">
-            <a:extLst>
-              <a:ext uri="{FF2B5EF4-FFF2-40B4-BE49-F238E27FC236}">
-                <a16:creationId xmlns:a16="http://schemas.microsoft.com/office/drawing/2014/main" id="{51D348FE-12CF-453C-8812-52B460371426}"/>
-              </a:ext>
-            </a:extLst>
-          </p:cNvPr>
-          <p:cNvSpPr>
-            <a:spLocks noGrp="1"/>
-          </p:cNvSpPr>
-          <p:nvPr>
-            <p:ph idx="1"/>
-          </p:nvPr>
-        </p:nvSpPr>
-        <p:spPr/>
-        <p:txBody>
-          <a:bodyPr/>
-          <a:lstStyle/>
-          <a:p>
+            <a:pPr marL="0" indent="0">
+              <a:buNone/>
+            </a:pPr>
             <a:r>
               <a:rPr lang="en-US" altLang="ko-KR" dirty="0">
                 <a:solidFill>
@@ -4118,6 +6102,9 @@
             <a:endParaRPr lang="en-US" altLang="ko-KR" dirty="0"/>
           </a:p>
           <a:p>
+            <a:pPr marL="0" indent="0">
+              <a:buNone/>
+            </a:pPr>
             <a:r>
               <a:rPr lang="en-US" altLang="ko-KR" dirty="0">
                 <a:solidFill>
@@ -4155,10 +6142,1167 @@
           </a:p>
         </p:txBody>
       </p:sp>
+      <p:pic>
+        <p:nvPicPr>
+          <p:cNvPr id="4" name="그림 3">
+            <a:extLst>
+              <a:ext uri="{FF2B5EF4-FFF2-40B4-BE49-F238E27FC236}">
+                <a16:creationId xmlns:a16="http://schemas.microsoft.com/office/drawing/2014/main" id="{BF93A053-51B4-4BD9-967F-6BBDD3B61BE1}"/>
+              </a:ext>
+            </a:extLst>
+          </p:cNvPr>
+          <p:cNvPicPr>
+            <a:picLocks noChangeAspect="1"/>
+          </p:cNvPicPr>
+          <p:nvPr/>
+        </p:nvPicPr>
+        <p:blipFill>
+          <a:blip r:embed="rId2"/>
+          <a:stretch>
+            <a:fillRect/>
+          </a:stretch>
+        </p:blipFill>
+        <p:spPr>
+          <a:xfrm>
+            <a:off x="5436840" y="1825625"/>
+            <a:ext cx="5916960" cy="4497355"/>
+          </a:xfrm>
+          <a:prstGeom prst="rect">
+            <a:avLst/>
+          </a:prstGeom>
+        </p:spPr>
+      </p:pic>
+      <p:sp>
+        <p:nvSpPr>
+          <p:cNvPr id="5" name="직사각형 4">
+            <a:extLst>
+              <a:ext uri="{FF2B5EF4-FFF2-40B4-BE49-F238E27FC236}">
+                <a16:creationId xmlns:a16="http://schemas.microsoft.com/office/drawing/2014/main" id="{DEE12F36-6B1B-438E-8C81-CD84FE84895B}"/>
+              </a:ext>
+            </a:extLst>
+          </p:cNvPr>
+          <p:cNvSpPr/>
+          <p:nvPr/>
+        </p:nvSpPr>
+        <p:spPr>
+          <a:xfrm>
+            <a:off x="10302844" y="3331675"/>
+            <a:ext cx="1050956" cy="362139"/>
+          </a:xfrm>
+          <a:prstGeom prst="rect">
+            <a:avLst/>
+          </a:prstGeom>
+          <a:noFill/>
+          <a:ln w="38100">
+            <a:solidFill>
+              <a:srgbClr val="FF0000"/>
+            </a:solidFill>
+          </a:ln>
+        </p:spPr>
+        <p:style>
+          <a:lnRef idx="2">
+            <a:schemeClr val="accent1">
+              <a:shade val="50000"/>
+            </a:schemeClr>
+          </a:lnRef>
+          <a:fillRef idx="1">
+            <a:schemeClr val="accent1"/>
+          </a:fillRef>
+          <a:effectRef idx="0">
+            <a:schemeClr val="accent1"/>
+          </a:effectRef>
+          <a:fontRef idx="minor">
+            <a:schemeClr val="lt1"/>
+          </a:fontRef>
+        </p:style>
+        <p:txBody>
+          <a:bodyPr rtlCol="0" anchor="ctr"/>
+          <a:lstStyle/>
+          <a:p>
+            <a:pPr algn="ctr"/>
+            <a:endParaRPr lang="ko-KR" altLang="en-US"/>
+          </a:p>
+        </p:txBody>
+      </p:sp>
     </p:spTree>
     <p:extLst>
       <p:ext uri="{BB962C8B-B14F-4D97-AF65-F5344CB8AC3E}">
         <p14:creationId xmlns:p14="http://schemas.microsoft.com/office/powerpoint/2010/main" val="508645229"/>
+      </p:ext>
+    </p:extLst>
+  </p:cSld>
+  <p:clrMapOvr>
+    <a:masterClrMapping/>
+  </p:clrMapOvr>
+</p:sld>
+</file>
+
+<file path=ppt/slides/slide6.xml><?xml version="1.0" encoding="utf-8"?>
+<p:sld xmlns:a="http://schemas.openxmlformats.org/drawingml/2006/main" xmlns:r="http://schemas.openxmlformats.org/officeDocument/2006/relationships" xmlns:p="http://schemas.openxmlformats.org/presentationml/2006/main">
+  <p:cSld>
+    <p:spTree>
+      <p:nvGrpSpPr>
+        <p:cNvPr id="1" name=""/>
+        <p:cNvGrpSpPr/>
+        <p:nvPr/>
+      </p:nvGrpSpPr>
+      <p:grpSpPr>
+        <a:xfrm>
+          <a:off x="0" y="0"/>
+          <a:ext cx="0" cy="0"/>
+          <a:chOff x="0" y="0"/>
+          <a:chExt cx="0" cy="0"/>
+        </a:xfrm>
+      </p:grpSpPr>
+      <p:sp>
+        <p:nvSpPr>
+          <p:cNvPr id="2" name="제목 1">
+            <a:extLst>
+              <a:ext uri="{FF2B5EF4-FFF2-40B4-BE49-F238E27FC236}">
+                <a16:creationId xmlns:a16="http://schemas.microsoft.com/office/drawing/2014/main" id="{59420285-7F80-4E10-8B61-FB78C6897A24}"/>
+              </a:ext>
+            </a:extLst>
+          </p:cNvPr>
+          <p:cNvSpPr>
+            <a:spLocks noGrp="1"/>
+          </p:cNvSpPr>
+          <p:nvPr>
+            <p:ph type="title"/>
+          </p:nvPr>
+        </p:nvSpPr>
+        <p:spPr/>
+        <p:txBody>
+          <a:bodyPr/>
+          <a:lstStyle/>
+          <a:p>
+            <a:r>
+              <a:rPr lang="en-US" altLang="ko-KR" dirty="0"/>
+              <a:t>Today</a:t>
+            </a:r>
+            <a:endParaRPr lang="ko-KR" altLang="en-US" dirty="0"/>
+          </a:p>
+        </p:txBody>
+      </p:sp>
+      <p:sp>
+        <p:nvSpPr>
+          <p:cNvPr id="3" name="내용 개체 틀 2">
+            <a:extLst>
+              <a:ext uri="{FF2B5EF4-FFF2-40B4-BE49-F238E27FC236}">
+                <a16:creationId xmlns:a16="http://schemas.microsoft.com/office/drawing/2014/main" id="{63983048-EAD3-4A31-B9EB-5BC8FFD4DB55}"/>
+              </a:ext>
+            </a:extLst>
+          </p:cNvPr>
+          <p:cNvSpPr>
+            <a:spLocks noGrp="1"/>
+          </p:cNvSpPr>
+          <p:nvPr>
+            <p:ph idx="1"/>
+          </p:nvPr>
+        </p:nvSpPr>
+        <p:spPr/>
+        <p:txBody>
+          <a:bodyPr/>
+          <a:lstStyle/>
+          <a:p>
+            <a:pPr marL="0" indent="0">
+              <a:buNone/>
+            </a:pPr>
+            <a:r>
+              <a:rPr lang="ko-KR" altLang="en-US" dirty="0"/>
+              <a:t>자신의 </a:t>
+            </a:r>
+            <a:r>
+              <a:rPr lang="en-US" altLang="ko-KR" dirty="0"/>
+              <a:t>repository</a:t>
+            </a:r>
+            <a:r>
+              <a:rPr lang="ko-KR" altLang="en-US" dirty="0"/>
+              <a:t>에서 업데이트 내용을 받아올 경우</a:t>
+            </a:r>
+            <a:endParaRPr lang="en-US" altLang="ko-KR" dirty="0"/>
+          </a:p>
+          <a:p>
+            <a:endParaRPr lang="ko-KR" altLang="en-US" dirty="0"/>
+          </a:p>
+        </p:txBody>
+      </p:sp>
+      <p:pic>
+        <p:nvPicPr>
+          <p:cNvPr id="4" name="그림 3">
+            <a:extLst>
+              <a:ext uri="{FF2B5EF4-FFF2-40B4-BE49-F238E27FC236}">
+                <a16:creationId xmlns:a16="http://schemas.microsoft.com/office/drawing/2014/main" id="{17F3DD5C-63CB-4C50-B0AF-BAA0D0FFF630}"/>
+              </a:ext>
+            </a:extLst>
+          </p:cNvPr>
+          <p:cNvPicPr>
+            <a:picLocks noChangeAspect="1"/>
+          </p:cNvPicPr>
+          <p:nvPr/>
+        </p:nvPicPr>
+        <p:blipFill>
+          <a:blip r:embed="rId2"/>
+          <a:stretch>
+            <a:fillRect/>
+          </a:stretch>
+        </p:blipFill>
+        <p:spPr>
+          <a:xfrm>
+            <a:off x="1113094" y="2859832"/>
+            <a:ext cx="9965811" cy="1138335"/>
+          </a:xfrm>
+          <a:prstGeom prst="rect">
+            <a:avLst/>
+          </a:prstGeom>
+        </p:spPr>
+      </p:pic>
+    </p:spTree>
+    <p:extLst>
+      <p:ext uri="{BB962C8B-B14F-4D97-AF65-F5344CB8AC3E}">
+        <p14:creationId xmlns:p14="http://schemas.microsoft.com/office/powerpoint/2010/main" val="4045897911"/>
+      </p:ext>
+    </p:extLst>
+  </p:cSld>
+  <p:clrMapOvr>
+    <a:masterClrMapping/>
+  </p:clrMapOvr>
+</p:sld>
+</file>
+
+<file path=ppt/slides/slide7.xml><?xml version="1.0" encoding="utf-8"?>
+<p:sld xmlns:a="http://schemas.openxmlformats.org/drawingml/2006/main" xmlns:r="http://schemas.openxmlformats.org/officeDocument/2006/relationships" xmlns:p="http://schemas.openxmlformats.org/presentationml/2006/main">
+  <p:cSld>
+    <p:spTree>
+      <p:nvGrpSpPr>
+        <p:cNvPr id="1" name=""/>
+        <p:cNvGrpSpPr/>
+        <p:nvPr/>
+      </p:nvGrpSpPr>
+      <p:grpSpPr>
+        <a:xfrm>
+          <a:off x="0" y="0"/>
+          <a:ext cx="0" cy="0"/>
+          <a:chOff x="0" y="0"/>
+          <a:chExt cx="0" cy="0"/>
+        </a:xfrm>
+      </p:grpSpPr>
+      <p:sp>
+        <p:nvSpPr>
+          <p:cNvPr id="3" name="내용 개체 틀 2">
+            <a:extLst>
+              <a:ext uri="{FF2B5EF4-FFF2-40B4-BE49-F238E27FC236}">
+                <a16:creationId xmlns:a16="http://schemas.microsoft.com/office/drawing/2014/main" id="{2613472E-B59E-4C69-90C2-DA2C3623B212}"/>
+              </a:ext>
+            </a:extLst>
+          </p:cNvPr>
+          <p:cNvSpPr>
+            <a:spLocks noGrp="1"/>
+          </p:cNvSpPr>
+          <p:nvPr>
+            <p:ph idx="1"/>
+          </p:nvPr>
+        </p:nvSpPr>
+        <p:spPr/>
+        <p:txBody>
+          <a:bodyPr/>
+          <a:lstStyle/>
+          <a:p>
+            <a:pPr marL="0" indent="0">
+              <a:buNone/>
+            </a:pPr>
+            <a:r>
+              <a:rPr lang="ko-KR" altLang="en-US" dirty="0"/>
+              <a:t>자신이 </a:t>
+            </a:r>
+            <a:r>
+              <a:rPr lang="en-US" altLang="ko-KR" dirty="0"/>
+              <a:t>fork</a:t>
+            </a:r>
+            <a:r>
+              <a:rPr lang="ko-KR" altLang="en-US" dirty="0"/>
+              <a:t>한 </a:t>
+            </a:r>
+            <a:r>
+              <a:rPr lang="en-US" altLang="ko-KR" dirty="0"/>
+              <a:t>repository</a:t>
+            </a:r>
+            <a:r>
+              <a:rPr lang="ko-KR" altLang="en-US" dirty="0"/>
+              <a:t>에서 업데이트 내용을 받아올 경우</a:t>
+            </a:r>
+          </a:p>
+        </p:txBody>
+      </p:sp>
+      <p:pic>
+        <p:nvPicPr>
+          <p:cNvPr id="4" name="그림 3">
+            <a:extLst>
+              <a:ext uri="{FF2B5EF4-FFF2-40B4-BE49-F238E27FC236}">
+                <a16:creationId xmlns:a16="http://schemas.microsoft.com/office/drawing/2014/main" id="{E0F430B8-6AEB-4417-8A8A-2A82126E35EC}"/>
+              </a:ext>
+            </a:extLst>
+          </p:cNvPr>
+          <p:cNvPicPr>
+            <a:picLocks noChangeAspect="1"/>
+          </p:cNvPicPr>
+          <p:nvPr/>
+        </p:nvPicPr>
+        <p:blipFill>
+          <a:blip r:embed="rId2"/>
+          <a:stretch>
+            <a:fillRect/>
+          </a:stretch>
+        </p:blipFill>
+        <p:spPr>
+          <a:xfrm>
+            <a:off x="832903" y="2660169"/>
+            <a:ext cx="10520897" cy="2682250"/>
+          </a:xfrm>
+          <a:prstGeom prst="rect">
+            <a:avLst/>
+          </a:prstGeom>
+        </p:spPr>
+      </p:pic>
+      <p:sp>
+        <p:nvSpPr>
+          <p:cNvPr id="7" name="직사각형 6">
+            <a:extLst>
+              <a:ext uri="{FF2B5EF4-FFF2-40B4-BE49-F238E27FC236}">
+                <a16:creationId xmlns:a16="http://schemas.microsoft.com/office/drawing/2014/main" id="{49123FE2-CA03-4EC9-A42A-005900D6717A}"/>
+              </a:ext>
+            </a:extLst>
+          </p:cNvPr>
+          <p:cNvSpPr/>
+          <p:nvPr/>
+        </p:nvSpPr>
+        <p:spPr>
+          <a:xfrm>
+            <a:off x="5196689" y="2797521"/>
+            <a:ext cx="1973656" cy="262550"/>
+          </a:xfrm>
+          <a:prstGeom prst="rect">
+            <a:avLst/>
+          </a:prstGeom>
+          <a:noFill/>
+          <a:ln w="38100">
+            <a:solidFill>
+              <a:srgbClr val="FF0000"/>
+            </a:solidFill>
+          </a:ln>
+        </p:spPr>
+        <p:style>
+          <a:lnRef idx="2">
+            <a:schemeClr val="accent1">
+              <a:shade val="50000"/>
+            </a:schemeClr>
+          </a:lnRef>
+          <a:fillRef idx="1">
+            <a:schemeClr val="accent1"/>
+          </a:fillRef>
+          <a:effectRef idx="0">
+            <a:schemeClr val="accent1"/>
+          </a:effectRef>
+          <a:fontRef idx="minor">
+            <a:schemeClr val="lt1"/>
+          </a:fontRef>
+        </p:style>
+        <p:txBody>
+          <a:bodyPr rtlCol="0" anchor="ctr"/>
+          <a:lstStyle/>
+          <a:p>
+            <a:pPr algn="ctr"/>
+            <a:endParaRPr lang="ko-KR" altLang="en-US"/>
+          </a:p>
+        </p:txBody>
+      </p:sp>
+      <p:sp>
+        <p:nvSpPr>
+          <p:cNvPr id="8" name="직사각형 7">
+            <a:extLst>
+              <a:ext uri="{FF2B5EF4-FFF2-40B4-BE49-F238E27FC236}">
+                <a16:creationId xmlns:a16="http://schemas.microsoft.com/office/drawing/2014/main" id="{E0AA8852-0862-4055-ACEC-BEF964155E71}"/>
+              </a:ext>
+            </a:extLst>
+          </p:cNvPr>
+          <p:cNvSpPr/>
+          <p:nvPr/>
+        </p:nvSpPr>
+        <p:spPr>
+          <a:xfrm>
+            <a:off x="5196689" y="3183801"/>
+            <a:ext cx="1566250" cy="262550"/>
+          </a:xfrm>
+          <a:prstGeom prst="rect">
+            <a:avLst/>
+          </a:prstGeom>
+          <a:noFill/>
+          <a:ln w="38100">
+            <a:solidFill>
+              <a:srgbClr val="FF0000"/>
+            </a:solidFill>
+          </a:ln>
+        </p:spPr>
+        <p:style>
+          <a:lnRef idx="2">
+            <a:schemeClr val="accent1">
+              <a:shade val="50000"/>
+            </a:schemeClr>
+          </a:lnRef>
+          <a:fillRef idx="1">
+            <a:schemeClr val="accent1"/>
+          </a:fillRef>
+          <a:effectRef idx="0">
+            <a:schemeClr val="accent1"/>
+          </a:effectRef>
+          <a:fontRef idx="minor">
+            <a:schemeClr val="lt1"/>
+          </a:fontRef>
+        </p:style>
+        <p:txBody>
+          <a:bodyPr rtlCol="0" anchor="ctr"/>
+          <a:lstStyle/>
+          <a:p>
+            <a:pPr algn="ctr"/>
+            <a:endParaRPr lang="ko-KR" altLang="en-US"/>
+          </a:p>
+        </p:txBody>
+      </p:sp>
+      <p:sp>
+        <p:nvSpPr>
+          <p:cNvPr id="9" name="직사각형 8">
+            <a:extLst>
+              <a:ext uri="{FF2B5EF4-FFF2-40B4-BE49-F238E27FC236}">
+                <a16:creationId xmlns:a16="http://schemas.microsoft.com/office/drawing/2014/main" id="{E8FA64B9-C339-42A2-836C-BDE9BA5CC1B5}"/>
+              </a:ext>
+            </a:extLst>
+          </p:cNvPr>
+          <p:cNvSpPr/>
+          <p:nvPr/>
+        </p:nvSpPr>
+        <p:spPr>
+          <a:xfrm>
+            <a:off x="5196689" y="3767002"/>
+            <a:ext cx="2109458" cy="262550"/>
+          </a:xfrm>
+          <a:prstGeom prst="rect">
+            <a:avLst/>
+          </a:prstGeom>
+          <a:noFill/>
+          <a:ln w="38100">
+            <a:solidFill>
+              <a:srgbClr val="FF0000"/>
+            </a:solidFill>
+          </a:ln>
+        </p:spPr>
+        <p:style>
+          <a:lnRef idx="2">
+            <a:schemeClr val="accent1">
+              <a:shade val="50000"/>
+            </a:schemeClr>
+          </a:lnRef>
+          <a:fillRef idx="1">
+            <a:schemeClr val="accent1"/>
+          </a:fillRef>
+          <a:effectRef idx="0">
+            <a:schemeClr val="accent1"/>
+          </a:effectRef>
+          <a:fontRef idx="minor">
+            <a:schemeClr val="lt1"/>
+          </a:fontRef>
+        </p:style>
+        <p:txBody>
+          <a:bodyPr rtlCol="0" anchor="ctr"/>
+          <a:lstStyle/>
+          <a:p>
+            <a:pPr algn="ctr"/>
+            <a:endParaRPr lang="ko-KR" altLang="en-US"/>
+          </a:p>
+        </p:txBody>
+      </p:sp>
+      <p:sp>
+        <p:nvSpPr>
+          <p:cNvPr id="10" name="직사각형 9">
+            <a:extLst>
+              <a:ext uri="{FF2B5EF4-FFF2-40B4-BE49-F238E27FC236}">
+                <a16:creationId xmlns:a16="http://schemas.microsoft.com/office/drawing/2014/main" id="{4217E2A9-C3C7-41C1-947D-6B243881AB30}"/>
+              </a:ext>
+            </a:extLst>
+          </p:cNvPr>
+          <p:cNvSpPr/>
+          <p:nvPr/>
+        </p:nvSpPr>
+        <p:spPr>
+          <a:xfrm>
+            <a:off x="5196689" y="4149620"/>
+            <a:ext cx="1176951" cy="262550"/>
+          </a:xfrm>
+          <a:prstGeom prst="rect">
+            <a:avLst/>
+          </a:prstGeom>
+          <a:noFill/>
+          <a:ln w="38100">
+            <a:solidFill>
+              <a:srgbClr val="FF0000"/>
+            </a:solidFill>
+          </a:ln>
+        </p:spPr>
+        <p:style>
+          <a:lnRef idx="2">
+            <a:schemeClr val="accent1">
+              <a:shade val="50000"/>
+            </a:schemeClr>
+          </a:lnRef>
+          <a:fillRef idx="1">
+            <a:schemeClr val="accent1"/>
+          </a:fillRef>
+          <a:effectRef idx="0">
+            <a:schemeClr val="accent1"/>
+          </a:effectRef>
+          <a:fontRef idx="minor">
+            <a:schemeClr val="lt1"/>
+          </a:fontRef>
+        </p:style>
+        <p:txBody>
+          <a:bodyPr rtlCol="0" anchor="ctr"/>
+          <a:lstStyle/>
+          <a:p>
+            <a:pPr algn="ctr"/>
+            <a:endParaRPr lang="ko-KR" altLang="en-US"/>
+          </a:p>
+        </p:txBody>
+      </p:sp>
+      <p:sp>
+        <p:nvSpPr>
+          <p:cNvPr id="11" name="직사각형 10">
+            <a:extLst>
+              <a:ext uri="{FF2B5EF4-FFF2-40B4-BE49-F238E27FC236}">
+                <a16:creationId xmlns:a16="http://schemas.microsoft.com/office/drawing/2014/main" id="{1CCD6740-89B1-489D-945A-8722494E8330}"/>
+              </a:ext>
+            </a:extLst>
+          </p:cNvPr>
+          <p:cNvSpPr/>
+          <p:nvPr/>
+        </p:nvSpPr>
+        <p:spPr>
+          <a:xfrm>
+            <a:off x="5196688" y="5139903"/>
+            <a:ext cx="2199993" cy="262550"/>
+          </a:xfrm>
+          <a:prstGeom prst="rect">
+            <a:avLst/>
+          </a:prstGeom>
+          <a:noFill/>
+          <a:ln w="38100">
+            <a:solidFill>
+              <a:srgbClr val="FF0000"/>
+            </a:solidFill>
+          </a:ln>
+        </p:spPr>
+        <p:style>
+          <a:lnRef idx="2">
+            <a:schemeClr val="accent1">
+              <a:shade val="50000"/>
+            </a:schemeClr>
+          </a:lnRef>
+          <a:fillRef idx="1">
+            <a:schemeClr val="accent1"/>
+          </a:fillRef>
+          <a:effectRef idx="0">
+            <a:schemeClr val="accent1"/>
+          </a:effectRef>
+          <a:fontRef idx="minor">
+            <a:schemeClr val="lt1"/>
+          </a:fontRef>
+        </p:style>
+        <p:txBody>
+          <a:bodyPr rtlCol="0" anchor="ctr"/>
+          <a:lstStyle/>
+          <a:p>
+            <a:pPr algn="ctr"/>
+            <a:endParaRPr lang="ko-KR" altLang="en-US"/>
+          </a:p>
+        </p:txBody>
+      </p:sp>
+      <p:sp>
+        <p:nvSpPr>
+          <p:cNvPr id="12" name="직사각형 11">
+            <a:extLst>
+              <a:ext uri="{FF2B5EF4-FFF2-40B4-BE49-F238E27FC236}">
+                <a16:creationId xmlns:a16="http://schemas.microsoft.com/office/drawing/2014/main" id="{6E3FBB90-97DD-4E8B-A4C2-016880FCACC7}"/>
+              </a:ext>
+            </a:extLst>
+          </p:cNvPr>
+          <p:cNvSpPr/>
+          <p:nvPr/>
+        </p:nvSpPr>
+        <p:spPr>
+          <a:xfrm>
+            <a:off x="7170345" y="2797522"/>
+            <a:ext cx="4019738" cy="262550"/>
+          </a:xfrm>
+          <a:prstGeom prst="rect">
+            <a:avLst/>
+          </a:prstGeom>
+          <a:noFill/>
+          <a:ln w="38100">
+            <a:solidFill>
+              <a:srgbClr val="FFC000"/>
+            </a:solidFill>
+          </a:ln>
+        </p:spPr>
+        <p:style>
+          <a:lnRef idx="2">
+            <a:schemeClr val="accent1">
+              <a:shade val="50000"/>
+            </a:schemeClr>
+          </a:lnRef>
+          <a:fillRef idx="1">
+            <a:schemeClr val="accent1"/>
+          </a:fillRef>
+          <a:effectRef idx="0">
+            <a:schemeClr val="accent1"/>
+          </a:effectRef>
+          <a:fontRef idx="minor">
+            <a:schemeClr val="lt1"/>
+          </a:fontRef>
+        </p:style>
+        <p:txBody>
+          <a:bodyPr rtlCol="0" anchor="ctr"/>
+          <a:lstStyle/>
+          <a:p>
+            <a:pPr algn="ctr"/>
+            <a:endParaRPr lang="ko-KR" altLang="en-US"/>
+          </a:p>
+        </p:txBody>
+      </p:sp>
+      <p:sp>
+        <p:nvSpPr>
+          <p:cNvPr id="13" name="직사각형 12">
+            <a:extLst>
+              <a:ext uri="{FF2B5EF4-FFF2-40B4-BE49-F238E27FC236}">
+                <a16:creationId xmlns:a16="http://schemas.microsoft.com/office/drawing/2014/main" id="{A40E198E-037D-4BCC-88E4-5195F56CE085}"/>
+              </a:ext>
+            </a:extLst>
+          </p:cNvPr>
+          <p:cNvSpPr/>
+          <p:nvPr/>
+        </p:nvSpPr>
+        <p:spPr>
+          <a:xfrm>
+            <a:off x="832903" y="3032910"/>
+            <a:ext cx="244459" cy="159944"/>
+          </a:xfrm>
+          <a:prstGeom prst="rect">
+            <a:avLst/>
+          </a:prstGeom>
+          <a:noFill/>
+          <a:ln w="38100">
+            <a:solidFill>
+              <a:srgbClr val="FFC000"/>
+            </a:solidFill>
+          </a:ln>
+        </p:spPr>
+        <p:style>
+          <a:lnRef idx="2">
+            <a:schemeClr val="accent1">
+              <a:shade val="50000"/>
+            </a:schemeClr>
+          </a:lnRef>
+          <a:fillRef idx="1">
+            <a:schemeClr val="accent1"/>
+          </a:fillRef>
+          <a:effectRef idx="0">
+            <a:schemeClr val="accent1"/>
+          </a:effectRef>
+          <a:fontRef idx="minor">
+            <a:schemeClr val="lt1"/>
+          </a:fontRef>
+        </p:style>
+        <p:txBody>
+          <a:bodyPr rtlCol="0" anchor="ctr"/>
+          <a:lstStyle/>
+          <a:p>
+            <a:pPr algn="ctr"/>
+            <a:endParaRPr lang="ko-KR" altLang="en-US"/>
+          </a:p>
+        </p:txBody>
+      </p:sp>
+      <p:sp>
+        <p:nvSpPr>
+          <p:cNvPr id="14" name="TextBox 13">
+            <a:extLst>
+              <a:ext uri="{FF2B5EF4-FFF2-40B4-BE49-F238E27FC236}">
+                <a16:creationId xmlns:a16="http://schemas.microsoft.com/office/drawing/2014/main" id="{20A07720-362A-44F8-A28B-D599990BC820}"/>
+              </a:ext>
+            </a:extLst>
+          </p:cNvPr>
+          <p:cNvSpPr txBox="1"/>
+          <p:nvPr/>
+        </p:nvSpPr>
+        <p:spPr>
+          <a:xfrm>
+            <a:off x="8057584" y="3082702"/>
+            <a:ext cx="3449370" cy="584775"/>
+          </a:xfrm>
+          <a:prstGeom prst="rect">
+            <a:avLst/>
+          </a:prstGeom>
+          <a:noFill/>
+        </p:spPr>
+        <p:txBody>
+          <a:bodyPr wrap="square" rtlCol="0">
+            <a:spAutoFit/>
+          </a:bodyPr>
+          <a:lstStyle/>
+          <a:p>
+            <a:r>
+              <a:rPr lang="en-US" altLang="ko-KR" sz="1600" dirty="0">
+                <a:solidFill>
+                  <a:srgbClr val="FF0000"/>
+                </a:solidFill>
+              </a:rPr>
+              <a:t>https://github.com/tjdghks994/ai-security</a:t>
+            </a:r>
+            <a:endParaRPr lang="ko-KR" altLang="en-US" sz="1600" dirty="0">
+              <a:solidFill>
+                <a:srgbClr val="FF0000"/>
+              </a:solidFill>
+            </a:endParaRPr>
+          </a:p>
+        </p:txBody>
+      </p:sp>
+      <p:cxnSp>
+        <p:nvCxnSpPr>
+          <p:cNvPr id="16" name="연결선: 꺾임 15">
+            <a:extLst>
+              <a:ext uri="{FF2B5EF4-FFF2-40B4-BE49-F238E27FC236}">
+                <a16:creationId xmlns:a16="http://schemas.microsoft.com/office/drawing/2014/main" id="{815AC65F-7AF1-425C-8DD7-0B77F9ABDDD4}"/>
+              </a:ext>
+            </a:extLst>
+          </p:cNvPr>
+          <p:cNvCxnSpPr>
+            <a:cxnSpLocks/>
+            <a:stCxn id="14" idx="1"/>
+          </p:cNvCxnSpPr>
+          <p:nvPr/>
+        </p:nvCxnSpPr>
+        <p:spPr>
+          <a:xfrm rot="10800000">
+            <a:off x="7795034" y="3082702"/>
+            <a:ext cx="262550" cy="292388"/>
+          </a:xfrm>
+          <a:prstGeom prst="bentConnector2">
+            <a:avLst/>
+          </a:prstGeom>
+          <a:ln w="38100">
+            <a:solidFill>
+              <a:srgbClr val="FFC000"/>
+            </a:solidFill>
+            <a:tailEnd type="triangle"/>
+          </a:ln>
+        </p:spPr>
+        <p:style>
+          <a:lnRef idx="1">
+            <a:schemeClr val="accent1"/>
+          </a:lnRef>
+          <a:fillRef idx="0">
+            <a:schemeClr val="accent1"/>
+          </a:fillRef>
+          <a:effectRef idx="0">
+            <a:schemeClr val="accent1"/>
+          </a:effectRef>
+          <a:fontRef idx="minor">
+            <a:schemeClr val="tx1"/>
+          </a:fontRef>
+        </p:style>
+      </p:cxnSp>
+      <p:sp>
+        <p:nvSpPr>
+          <p:cNvPr id="18" name="TextBox 17">
+            <a:extLst>
+              <a:ext uri="{FF2B5EF4-FFF2-40B4-BE49-F238E27FC236}">
+                <a16:creationId xmlns:a16="http://schemas.microsoft.com/office/drawing/2014/main" id="{DD87DCED-7D5A-45CE-AADE-B27322B584F6}"/>
+              </a:ext>
+            </a:extLst>
+          </p:cNvPr>
+          <p:cNvSpPr txBox="1"/>
+          <p:nvPr/>
+        </p:nvSpPr>
+        <p:spPr>
+          <a:xfrm>
+            <a:off x="5196688" y="5512255"/>
+            <a:ext cx="4662536" cy="646331"/>
+          </a:xfrm>
+          <a:prstGeom prst="rect">
+            <a:avLst/>
+          </a:prstGeom>
+          <a:noFill/>
+        </p:spPr>
+        <p:txBody>
+          <a:bodyPr wrap="square" rtlCol="0">
+            <a:spAutoFit/>
+          </a:bodyPr>
+          <a:lstStyle/>
+          <a:p>
+            <a:r>
+              <a:rPr lang="en-US" altLang="ko-KR" dirty="0"/>
+              <a:t>+ git push origin master</a:t>
+            </a:r>
+          </a:p>
+          <a:p>
+            <a:r>
+              <a:rPr lang="en-US" altLang="ko-KR" dirty="0"/>
+              <a:t>(</a:t>
+            </a:r>
+            <a:r>
+              <a:rPr lang="ko-KR" altLang="en-US" dirty="0"/>
+              <a:t>본인의 </a:t>
+            </a:r>
+            <a:r>
+              <a:rPr lang="en-US" altLang="ko-KR" dirty="0"/>
+              <a:t>repository</a:t>
+            </a:r>
+            <a:r>
+              <a:rPr lang="ko-KR" altLang="en-US" dirty="0"/>
+              <a:t>에 업데이트 하는 내용</a:t>
+            </a:r>
+            <a:r>
+              <a:rPr lang="en-US" altLang="ko-KR" dirty="0"/>
+              <a:t>)</a:t>
+            </a:r>
+            <a:endParaRPr lang="ko-KR" altLang="en-US" dirty="0"/>
+          </a:p>
+        </p:txBody>
+      </p:sp>
+    </p:spTree>
+    <p:extLst>
+      <p:ext uri="{BB962C8B-B14F-4D97-AF65-F5344CB8AC3E}">
+        <p14:creationId xmlns:p14="http://schemas.microsoft.com/office/powerpoint/2010/main" val="3096555154"/>
+      </p:ext>
+    </p:extLst>
+  </p:cSld>
+  <p:clrMapOvr>
+    <a:masterClrMapping/>
+  </p:clrMapOvr>
+</p:sld>
+</file>
+
+<file path=ppt/slides/slide8.xml><?xml version="1.0" encoding="utf-8"?>
+<p:sld xmlns:a="http://schemas.openxmlformats.org/drawingml/2006/main" xmlns:r="http://schemas.openxmlformats.org/officeDocument/2006/relationships" xmlns:p="http://schemas.openxmlformats.org/presentationml/2006/main">
+  <p:cSld>
+    <p:spTree>
+      <p:nvGrpSpPr>
+        <p:cNvPr id="1" name=""/>
+        <p:cNvGrpSpPr/>
+        <p:nvPr/>
+      </p:nvGrpSpPr>
+      <p:grpSpPr>
+        <a:xfrm>
+          <a:off x="0" y="0"/>
+          <a:ext cx="0" cy="0"/>
+          <a:chOff x="0" y="0"/>
+          <a:chExt cx="0" cy="0"/>
+        </a:xfrm>
+      </p:grpSpPr>
+      <p:sp>
+        <p:nvSpPr>
+          <p:cNvPr id="2" name="제목 1">
+            <a:extLst>
+              <a:ext uri="{FF2B5EF4-FFF2-40B4-BE49-F238E27FC236}">
+                <a16:creationId xmlns:a16="http://schemas.microsoft.com/office/drawing/2014/main" id="{DA5C5DA0-F4C3-4BBC-9D0E-5BAEAFA2E820}"/>
+              </a:ext>
+            </a:extLst>
+          </p:cNvPr>
+          <p:cNvSpPr>
+            <a:spLocks noGrp="1"/>
+          </p:cNvSpPr>
+          <p:nvPr>
+            <p:ph type="title"/>
+          </p:nvPr>
+        </p:nvSpPr>
+        <p:spPr/>
+        <p:txBody>
+          <a:bodyPr/>
+          <a:lstStyle/>
+          <a:p>
+            <a:r>
+              <a:rPr lang="en-US" altLang="ko-KR" dirty="0" err="1">
+                <a:solidFill>
+                  <a:srgbClr val="FFC000"/>
+                </a:solidFill>
+              </a:rPr>
+              <a:t>colab</a:t>
+            </a:r>
+            <a:endParaRPr lang="ko-KR" altLang="en-US" dirty="0">
+              <a:solidFill>
+                <a:srgbClr val="FFC000"/>
+              </a:solidFill>
+            </a:endParaRPr>
+          </a:p>
+        </p:txBody>
+      </p:sp>
+      <p:sp>
+        <p:nvSpPr>
+          <p:cNvPr id="3" name="내용 개체 틀 2">
+            <a:extLst>
+              <a:ext uri="{FF2B5EF4-FFF2-40B4-BE49-F238E27FC236}">
+                <a16:creationId xmlns:a16="http://schemas.microsoft.com/office/drawing/2014/main" id="{F758B287-DE8C-4F7D-A474-072071FAA961}"/>
+              </a:ext>
+            </a:extLst>
+          </p:cNvPr>
+          <p:cNvSpPr>
+            <a:spLocks noGrp="1"/>
+          </p:cNvSpPr>
+          <p:nvPr>
+            <p:ph idx="1"/>
+          </p:nvPr>
+        </p:nvSpPr>
+        <p:spPr/>
+        <p:txBody>
+          <a:bodyPr/>
+          <a:lstStyle/>
+          <a:p>
+            <a:r>
+              <a:rPr lang="en-US" altLang="ko-KR" dirty="0" err="1"/>
+              <a:t>Jupyter</a:t>
+            </a:r>
+            <a:r>
+              <a:rPr lang="en-US" altLang="ko-KR" dirty="0"/>
+              <a:t> notebook + Google Drive</a:t>
+            </a:r>
+          </a:p>
+          <a:p>
+            <a:endParaRPr lang="en-US" altLang="ko-KR" dirty="0"/>
+          </a:p>
+          <a:p>
+            <a:r>
+              <a:rPr lang="en-US" altLang="ko-KR" dirty="0"/>
+              <a:t>Cloud IDE(Integrated Development Environment)</a:t>
+            </a:r>
+          </a:p>
+          <a:p>
+            <a:endParaRPr lang="en-US" altLang="ko-KR" dirty="0"/>
+          </a:p>
+          <a:p>
+            <a:r>
+              <a:rPr lang="en-US" altLang="ko-KR" dirty="0"/>
+              <a:t>Provide high-end GPU for </a:t>
+            </a:r>
+            <a:r>
+              <a:rPr lang="en-US" altLang="ko-KR" dirty="0">
+                <a:solidFill>
+                  <a:srgbClr val="FF0000"/>
+                </a:solidFill>
+              </a:rPr>
+              <a:t>FREE</a:t>
+            </a:r>
+            <a:endParaRPr lang="ko-KR" altLang="en-US" dirty="0">
+              <a:solidFill>
+                <a:srgbClr val="FF0000"/>
+              </a:solidFill>
+            </a:endParaRPr>
+          </a:p>
+        </p:txBody>
+      </p:sp>
+    </p:spTree>
+    <p:extLst>
+      <p:ext uri="{BB962C8B-B14F-4D97-AF65-F5344CB8AC3E}">
+        <p14:creationId xmlns:p14="http://schemas.microsoft.com/office/powerpoint/2010/main" val="693871577"/>
+      </p:ext>
+    </p:extLst>
+  </p:cSld>
+  <p:clrMapOvr>
+    <a:masterClrMapping/>
+  </p:clrMapOvr>
+</p:sld>
+</file>
+
+<file path=ppt/slides/slide9.xml><?xml version="1.0" encoding="utf-8"?>
+<p:sld xmlns:a="http://schemas.openxmlformats.org/drawingml/2006/main" xmlns:r="http://schemas.openxmlformats.org/officeDocument/2006/relationships" xmlns:p="http://schemas.openxmlformats.org/presentationml/2006/main">
+  <p:cSld>
+    <p:spTree>
+      <p:nvGrpSpPr>
+        <p:cNvPr id="1" name=""/>
+        <p:cNvGrpSpPr/>
+        <p:nvPr/>
+      </p:nvGrpSpPr>
+      <p:grpSpPr>
+        <a:xfrm>
+          <a:off x="0" y="0"/>
+          <a:ext cx="0" cy="0"/>
+          <a:chOff x="0" y="0"/>
+          <a:chExt cx="0" cy="0"/>
+        </a:xfrm>
+      </p:grpSpPr>
+      <p:sp>
+        <p:nvSpPr>
+          <p:cNvPr id="3" name="내용 개체 틀 2">
+            <a:extLst>
+              <a:ext uri="{FF2B5EF4-FFF2-40B4-BE49-F238E27FC236}">
+                <a16:creationId xmlns:a16="http://schemas.microsoft.com/office/drawing/2014/main" id="{C65491AA-556E-4BEF-B2D2-430C8E92A7F8}"/>
+              </a:ext>
+            </a:extLst>
+          </p:cNvPr>
+          <p:cNvSpPr>
+            <a:spLocks noGrp="1"/>
+          </p:cNvSpPr>
+          <p:nvPr>
+            <p:ph idx="1"/>
+          </p:nvPr>
+        </p:nvSpPr>
+        <p:spPr/>
+        <p:txBody>
+          <a:bodyPr/>
+          <a:lstStyle/>
+          <a:p>
+            <a:pPr marL="0" indent="0">
+              <a:buNone/>
+            </a:pPr>
+            <a:r>
+              <a:rPr lang="en-US" altLang="ko-KR" dirty="0"/>
+              <a:t>Google Drive</a:t>
+            </a:r>
+          </a:p>
+          <a:p>
+            <a:endParaRPr lang="en-US" altLang="ko-KR" dirty="0"/>
+          </a:p>
+          <a:p>
+            <a:pPr marL="0" indent="0">
+              <a:buNone/>
+            </a:pPr>
+            <a:r>
+              <a:rPr lang="ko-KR" altLang="en-US" sz="2000" dirty="0"/>
+              <a:t>마우스 </a:t>
+            </a:r>
+            <a:r>
+              <a:rPr lang="ko-KR" altLang="en-US" sz="2000" dirty="0" err="1"/>
+              <a:t>우클릭으로</a:t>
+            </a:r>
+            <a:br>
+              <a:rPr lang="en-US" altLang="ko-KR" sz="2000" dirty="0"/>
+            </a:br>
+            <a:r>
+              <a:rPr lang="en-US" altLang="ko-KR" sz="2000" dirty="0"/>
+              <a:t> </a:t>
+            </a:r>
+            <a:r>
+              <a:rPr lang="ko-KR" altLang="en-US" sz="2000" dirty="0" err="1"/>
+              <a:t>새폴더</a:t>
+            </a:r>
+            <a:r>
+              <a:rPr lang="ko-KR" altLang="en-US" sz="2000" dirty="0"/>
+              <a:t> 생성</a:t>
+            </a:r>
+          </a:p>
+        </p:txBody>
+      </p:sp>
+      <p:grpSp>
+        <p:nvGrpSpPr>
+          <p:cNvPr id="6" name="그룹 5">
+            <a:extLst>
+              <a:ext uri="{FF2B5EF4-FFF2-40B4-BE49-F238E27FC236}">
+                <a16:creationId xmlns:a16="http://schemas.microsoft.com/office/drawing/2014/main" id="{F7027A17-60D9-46CF-B2E4-FC727B3E8FB9}"/>
+              </a:ext>
+            </a:extLst>
+          </p:cNvPr>
+          <p:cNvGrpSpPr/>
+          <p:nvPr/>
+        </p:nvGrpSpPr>
+        <p:grpSpPr>
+          <a:xfrm>
+            <a:off x="3898019" y="1825625"/>
+            <a:ext cx="7455781" cy="3542137"/>
+            <a:chOff x="3898019" y="1825625"/>
+            <a:chExt cx="7455781" cy="3542137"/>
+          </a:xfrm>
+        </p:grpSpPr>
+        <p:pic>
+          <p:nvPicPr>
+            <p:cNvPr id="4" name="그림 3">
+              <a:extLst>
+                <a:ext uri="{FF2B5EF4-FFF2-40B4-BE49-F238E27FC236}">
+                  <a16:creationId xmlns:a16="http://schemas.microsoft.com/office/drawing/2014/main" id="{58C09FF0-B5DD-438F-A545-95637BA18192}"/>
+                </a:ext>
+              </a:extLst>
+            </p:cNvPr>
+            <p:cNvPicPr>
+              <a:picLocks noChangeAspect="1"/>
+            </p:cNvPicPr>
+            <p:nvPr/>
+          </p:nvPicPr>
+          <p:blipFill>
+            <a:blip r:embed="rId2"/>
+            <a:stretch>
+              <a:fillRect/>
+            </a:stretch>
+          </p:blipFill>
+          <p:spPr>
+            <a:xfrm>
+              <a:off x="3898019" y="1825625"/>
+              <a:ext cx="7455781" cy="3542137"/>
+            </a:xfrm>
+            <a:prstGeom prst="rect">
+              <a:avLst/>
+            </a:prstGeom>
+          </p:spPr>
+        </p:pic>
+        <p:sp>
+          <p:nvSpPr>
+            <p:cNvPr id="5" name="직사각형 4">
+              <a:extLst>
+                <a:ext uri="{FF2B5EF4-FFF2-40B4-BE49-F238E27FC236}">
+                  <a16:creationId xmlns:a16="http://schemas.microsoft.com/office/drawing/2014/main" id="{4A1C4483-31BF-4513-8D55-6C79C2659553}"/>
+                </a:ext>
+              </a:extLst>
+            </p:cNvPr>
+            <p:cNvSpPr/>
+            <p:nvPr/>
+          </p:nvSpPr>
+          <p:spPr>
+            <a:xfrm>
+              <a:off x="6914367" y="4940391"/>
+              <a:ext cx="2821691" cy="394705"/>
+            </a:xfrm>
+            <a:prstGeom prst="rect">
+              <a:avLst/>
+            </a:prstGeom>
+            <a:solidFill>
+              <a:schemeClr val="bg1"/>
+            </a:solidFill>
+            <a:ln>
+              <a:noFill/>
+            </a:ln>
+          </p:spPr>
+          <p:style>
+            <a:lnRef idx="2">
+              <a:schemeClr val="accent1">
+                <a:shade val="50000"/>
+              </a:schemeClr>
+            </a:lnRef>
+            <a:fillRef idx="1">
+              <a:schemeClr val="accent1"/>
+            </a:fillRef>
+            <a:effectRef idx="0">
+              <a:schemeClr val="accent1"/>
+            </a:effectRef>
+            <a:fontRef idx="minor">
+              <a:schemeClr val="lt1"/>
+            </a:fontRef>
+          </p:style>
+          <p:txBody>
+            <a:bodyPr rtlCol="0" anchor="ctr"/>
+            <a:lstStyle/>
+            <a:p>
+              <a:pPr algn="ctr"/>
+              <a:endParaRPr lang="ko-KR" altLang="en-US"/>
+            </a:p>
+          </p:txBody>
+        </p:sp>
+      </p:grpSp>
+    </p:spTree>
+    <p:extLst>
+      <p:ext uri="{BB962C8B-B14F-4D97-AF65-F5344CB8AC3E}">
+        <p14:creationId xmlns:p14="http://schemas.microsoft.com/office/powerpoint/2010/main" val="4084729165"/>
       </p:ext>
     </p:extLst>
   </p:cSld>

--- a/4th week/4th.pptx
+++ b/4th week/4th.pptx
@@ -22,6 +22,7 @@
     <p:sldId id="271" r:id="rId16"/>
     <p:sldId id="270" r:id="rId17"/>
     <p:sldId id="272" r:id="rId18"/>
+    <p:sldId id="273" r:id="rId19"/>
   </p:sldIdLst>
   <p:sldSz cx="12192000" cy="6858000"/>
   <p:notesSz cx="6858000" cy="9144000"/>
@@ -5381,6 +5382,213 @@
     <p:extLst>
       <p:ext uri="{BB962C8B-B14F-4D97-AF65-F5344CB8AC3E}">
         <p14:creationId xmlns:p14="http://schemas.microsoft.com/office/powerpoint/2010/main" val="2714127803"/>
+      </p:ext>
+    </p:extLst>
+  </p:cSld>
+  <p:clrMapOvr>
+    <a:masterClrMapping/>
+  </p:clrMapOvr>
+</p:sld>
+</file>
+
+<file path=ppt/slides/slide18.xml><?xml version="1.0" encoding="utf-8"?>
+<p:sld xmlns:a="http://schemas.openxmlformats.org/drawingml/2006/main" xmlns:r="http://schemas.openxmlformats.org/officeDocument/2006/relationships" xmlns:p="http://schemas.openxmlformats.org/presentationml/2006/main">
+  <p:cSld>
+    <p:spTree>
+      <p:nvGrpSpPr>
+        <p:cNvPr id="1" name=""/>
+        <p:cNvGrpSpPr/>
+        <p:nvPr/>
+      </p:nvGrpSpPr>
+      <p:grpSpPr>
+        <a:xfrm>
+          <a:off x="0" y="0"/>
+          <a:ext cx="0" cy="0"/>
+          <a:chOff x="0" y="0"/>
+          <a:chExt cx="0" cy="0"/>
+        </a:xfrm>
+      </p:grpSpPr>
+      <p:sp>
+        <p:nvSpPr>
+          <p:cNvPr id="3" name="내용 개체 틀 2">
+            <a:extLst>
+              <a:ext uri="{FF2B5EF4-FFF2-40B4-BE49-F238E27FC236}">
+                <a16:creationId xmlns:a16="http://schemas.microsoft.com/office/drawing/2014/main" id="{4A9C33F5-F05D-40DD-B671-5CE8BB5E6DDA}"/>
+              </a:ext>
+            </a:extLst>
+          </p:cNvPr>
+          <p:cNvSpPr>
+            <a:spLocks noGrp="1"/>
+          </p:cNvSpPr>
+          <p:nvPr>
+            <p:ph idx="1"/>
+          </p:nvPr>
+        </p:nvSpPr>
+        <p:spPr/>
+        <p:txBody>
+          <a:bodyPr/>
+          <a:lstStyle/>
+          <a:p>
+            <a:pPr marL="0" indent="0">
+              <a:buNone/>
+            </a:pPr>
+            <a:r>
+              <a:rPr lang="ko-KR" altLang="en-US" dirty="0">
+                <a:solidFill>
+                  <a:srgbClr val="FF0000"/>
+                </a:solidFill>
+              </a:rPr>
+              <a:t>오늘 작업한 파일 조교 </a:t>
+            </a:r>
+            <a:r>
+              <a:rPr lang="en-US" altLang="ko-KR" dirty="0">
+                <a:solidFill>
+                  <a:srgbClr val="FF0000"/>
+                </a:solidFill>
+              </a:rPr>
+              <a:t>repository</a:t>
+            </a:r>
+            <a:r>
+              <a:rPr lang="ko-KR" altLang="en-US" dirty="0">
+                <a:solidFill>
+                  <a:srgbClr val="FF0000"/>
+                </a:solidFill>
+              </a:rPr>
+              <a:t>에 </a:t>
+            </a:r>
+            <a:r>
+              <a:rPr lang="en-US" altLang="ko-KR" dirty="0">
+                <a:solidFill>
+                  <a:srgbClr val="FF0000"/>
+                </a:solidFill>
+              </a:rPr>
+              <a:t>PR</a:t>
+            </a:r>
+            <a:r>
+              <a:rPr lang="ko-KR" altLang="en-US" dirty="0">
+                <a:solidFill>
+                  <a:srgbClr val="FF0000"/>
+                </a:solidFill>
+              </a:rPr>
+              <a:t> 하기</a:t>
+            </a:r>
+            <a:endParaRPr lang="en-US" altLang="ko-KR" dirty="0">
+              <a:solidFill>
+                <a:srgbClr val="FF0000"/>
+              </a:solidFill>
+            </a:endParaRPr>
+          </a:p>
+          <a:p>
+            <a:pPr marL="0" indent="0">
+              <a:buNone/>
+            </a:pPr>
+            <a:endParaRPr lang="en-US" altLang="ko-KR" dirty="0">
+              <a:solidFill>
+                <a:srgbClr val="FF0000"/>
+              </a:solidFill>
+            </a:endParaRPr>
+          </a:p>
+          <a:p>
+            <a:pPr marL="0" indent="0">
+              <a:buNone/>
+            </a:pPr>
+            <a:r>
+              <a:rPr lang="en-US" altLang="ko-KR" dirty="0"/>
+              <a:t>git commit (</a:t>
+            </a:r>
+            <a:r>
+              <a:rPr lang="ko-KR" altLang="en-US" dirty="0"/>
+              <a:t>개인 </a:t>
+            </a:r>
+            <a:r>
+              <a:rPr lang="en-US" altLang="ko-KR" dirty="0" err="1"/>
+              <a:t>github</a:t>
+            </a:r>
+            <a:r>
+              <a:rPr lang="en-US" altLang="ko-KR" dirty="0"/>
+              <a:t>)</a:t>
+            </a:r>
+          </a:p>
+          <a:p>
+            <a:pPr marL="0" indent="0">
+              <a:buNone/>
+            </a:pPr>
+            <a:r>
+              <a:rPr lang="en-US" altLang="ko-KR" dirty="0"/>
+              <a:t>-&gt; git push (</a:t>
+            </a:r>
+            <a:r>
+              <a:rPr lang="ko-KR" altLang="en-US" dirty="0"/>
+              <a:t>개인 </a:t>
+            </a:r>
+            <a:r>
+              <a:rPr lang="en-US" altLang="ko-KR" dirty="0" err="1"/>
+              <a:t>github</a:t>
+            </a:r>
+            <a:r>
+              <a:rPr lang="en-US" altLang="ko-KR" dirty="0"/>
+              <a:t>)</a:t>
+            </a:r>
+          </a:p>
+          <a:p>
+            <a:pPr marL="0" indent="0">
+              <a:buNone/>
+            </a:pPr>
+            <a:r>
+              <a:rPr lang="en-US" altLang="ko-KR" dirty="0"/>
+              <a:t>-&gt; pull request (*</a:t>
+            </a:r>
+            <a:r>
+              <a:rPr lang="ko-KR" altLang="en-US" dirty="0"/>
+              <a:t>조교 </a:t>
+            </a:r>
+            <a:r>
+              <a:rPr lang="en-US" altLang="ko-KR" dirty="0" err="1"/>
+              <a:t>github</a:t>
+            </a:r>
+            <a:r>
+              <a:rPr lang="en-US" altLang="ko-KR" dirty="0"/>
+              <a:t>)</a:t>
+            </a:r>
+          </a:p>
+          <a:p>
+            <a:pPr marL="0" indent="0">
+              <a:buNone/>
+            </a:pPr>
+            <a:endParaRPr lang="en-US" altLang="ko-KR" dirty="0"/>
+          </a:p>
+          <a:p>
+            <a:pPr marL="0" indent="0">
+              <a:buNone/>
+            </a:pPr>
+            <a:r>
+              <a:rPr lang="en-US" altLang="ko-KR" b="1" dirty="0" err="1"/>
+              <a:t>vscode</a:t>
+            </a:r>
+            <a:r>
+              <a:rPr lang="ko-KR" altLang="en-US" b="1" dirty="0"/>
+              <a:t> 사용하면 편해요</a:t>
+            </a:r>
+            <a:r>
+              <a:rPr lang="en-US" altLang="ko-KR" b="1" dirty="0"/>
+              <a:t>! </a:t>
+            </a:r>
+            <a:r>
+              <a:rPr lang="ko-KR" altLang="en-US" b="1" dirty="0"/>
+              <a:t>그리고 파일명을 꼭 본명으로</a:t>
+            </a:r>
+            <a:r>
+              <a:rPr lang="en-US" altLang="ko-KR" b="1" dirty="0"/>
+              <a:t>!</a:t>
+            </a:r>
+            <a:endParaRPr lang="ko-KR" altLang="en-US" b="1" dirty="0"/>
+          </a:p>
+        </p:txBody>
+      </p:sp>
+    </p:spTree>
+    <p:extLst>
+      <p:ext uri="{BB962C8B-B14F-4D97-AF65-F5344CB8AC3E}">
+        <p14:creationId xmlns:p14="http://schemas.microsoft.com/office/powerpoint/2010/main" val="2414881804"/>
       </p:ext>
     </p:extLst>
   </p:cSld>

--- a/4th week/4th.pptx
+++ b/4th week/4th.pptx
@@ -276,7 +276,7 @@
           <a:p>
             <a:fld id="{F517ACDA-A987-4CF6-88C8-977DC6BDEC6B}" type="datetimeFigureOut">
               <a:rPr lang="ko-KR" altLang="en-US" smtClean="0"/>
-              <a:t>2019-09-25</a:t>
+              <a:t>2019-10-01</a:t>
             </a:fld>
             <a:endParaRPr lang="ko-KR" altLang="en-US"/>
           </a:p>
@@ -474,7 +474,7 @@
           <a:p>
             <a:fld id="{F517ACDA-A987-4CF6-88C8-977DC6BDEC6B}" type="datetimeFigureOut">
               <a:rPr lang="ko-KR" altLang="en-US" smtClean="0"/>
-              <a:t>2019-09-25</a:t>
+              <a:t>2019-10-01</a:t>
             </a:fld>
             <a:endParaRPr lang="ko-KR" altLang="en-US"/>
           </a:p>
@@ -682,7 +682,7 @@
           <a:p>
             <a:fld id="{F517ACDA-A987-4CF6-88C8-977DC6BDEC6B}" type="datetimeFigureOut">
               <a:rPr lang="ko-KR" altLang="en-US" smtClean="0"/>
-              <a:t>2019-09-25</a:t>
+              <a:t>2019-10-01</a:t>
             </a:fld>
             <a:endParaRPr lang="ko-KR" altLang="en-US"/>
           </a:p>
@@ -880,7 +880,7 @@
           <a:p>
             <a:fld id="{F517ACDA-A987-4CF6-88C8-977DC6BDEC6B}" type="datetimeFigureOut">
               <a:rPr lang="ko-KR" altLang="en-US" smtClean="0"/>
-              <a:t>2019-09-25</a:t>
+              <a:t>2019-10-01</a:t>
             </a:fld>
             <a:endParaRPr lang="ko-KR" altLang="en-US"/>
           </a:p>
@@ -1155,7 +1155,7 @@
           <a:p>
             <a:fld id="{F517ACDA-A987-4CF6-88C8-977DC6BDEC6B}" type="datetimeFigureOut">
               <a:rPr lang="ko-KR" altLang="en-US" smtClean="0"/>
-              <a:t>2019-09-25</a:t>
+              <a:t>2019-10-01</a:t>
             </a:fld>
             <a:endParaRPr lang="ko-KR" altLang="en-US"/>
           </a:p>
@@ -1420,7 +1420,7 @@
           <a:p>
             <a:fld id="{F517ACDA-A987-4CF6-88C8-977DC6BDEC6B}" type="datetimeFigureOut">
               <a:rPr lang="ko-KR" altLang="en-US" smtClean="0"/>
-              <a:t>2019-09-25</a:t>
+              <a:t>2019-10-01</a:t>
             </a:fld>
             <a:endParaRPr lang="ko-KR" altLang="en-US"/>
           </a:p>
@@ -1832,7 +1832,7 @@
           <a:p>
             <a:fld id="{F517ACDA-A987-4CF6-88C8-977DC6BDEC6B}" type="datetimeFigureOut">
               <a:rPr lang="ko-KR" altLang="en-US" smtClean="0"/>
-              <a:t>2019-09-25</a:t>
+              <a:t>2019-10-01</a:t>
             </a:fld>
             <a:endParaRPr lang="ko-KR" altLang="en-US"/>
           </a:p>
@@ -1973,7 +1973,7 @@
           <a:p>
             <a:fld id="{F517ACDA-A987-4CF6-88C8-977DC6BDEC6B}" type="datetimeFigureOut">
               <a:rPr lang="ko-KR" altLang="en-US" smtClean="0"/>
-              <a:t>2019-09-25</a:t>
+              <a:t>2019-10-01</a:t>
             </a:fld>
             <a:endParaRPr lang="ko-KR" altLang="en-US"/>
           </a:p>
@@ -2086,7 +2086,7 @@
           <a:p>
             <a:fld id="{F517ACDA-A987-4CF6-88C8-977DC6BDEC6B}" type="datetimeFigureOut">
               <a:rPr lang="ko-KR" altLang="en-US" smtClean="0"/>
-              <a:t>2019-09-25</a:t>
+              <a:t>2019-10-01</a:t>
             </a:fld>
             <a:endParaRPr lang="ko-KR" altLang="en-US"/>
           </a:p>
@@ -2397,7 +2397,7 @@
           <a:p>
             <a:fld id="{F517ACDA-A987-4CF6-88C8-977DC6BDEC6B}" type="datetimeFigureOut">
               <a:rPr lang="ko-KR" altLang="en-US" smtClean="0"/>
-              <a:t>2019-09-25</a:t>
+              <a:t>2019-10-01</a:t>
             </a:fld>
             <a:endParaRPr lang="ko-KR" altLang="en-US"/>
           </a:p>
@@ -2685,7 +2685,7 @@
           <a:p>
             <a:fld id="{F517ACDA-A987-4CF6-88C8-977DC6BDEC6B}" type="datetimeFigureOut">
               <a:rPr lang="ko-KR" altLang="en-US" smtClean="0"/>
-              <a:t>2019-09-25</a:t>
+              <a:t>2019-10-01</a:t>
             </a:fld>
             <a:endParaRPr lang="ko-KR" altLang="en-US"/>
           </a:p>
@@ -2926,7 +2926,7 @@
           <a:p>
             <a:fld id="{F517ACDA-A987-4CF6-88C8-977DC6BDEC6B}" type="datetimeFigureOut">
               <a:rPr lang="ko-KR" altLang="en-US" smtClean="0"/>
-              <a:t>2019-09-25</a:t>
+              <a:t>2019-10-01</a:t>
             </a:fld>
             <a:endParaRPr lang="ko-KR" altLang="en-US"/>
           </a:p>
@@ -7069,7 +7069,7 @@
                   <a:srgbClr val="FF0000"/>
                 </a:solidFill>
               </a:rPr>
-              <a:t>https://github.com/tjdghks994/ai-security</a:t>
+              <a:t>https://github.com/tjdghks994/ai-security.git</a:t>
             </a:r>
             <a:endParaRPr lang="ko-KR" altLang="en-US" sz="1600" dirty="0">
               <a:solidFill>
